--- a/Presentation/3450presentation.pptx
+++ b/Presentation/3450presentation.pptx
@@ -24137,7 +24137,7 @@
         <p:spPr>
           <a:xfrm>
             <a:off x="922125" y="470550"/>
-            <a:ext cx="2963400" cy="588300"/>
+            <a:ext cx="3068700" cy="588300"/>
           </a:xfrm>
           <a:prstGeom prst="rect">
             <a:avLst/>
@@ -24176,7 +24176,7 @@
             </a:pPr>
             <a:r>
               <a:rPr lang="en" sz="3000"/>
-              <a:t>Dans Tool Shop</a:t>
+              <a:t>Dan’s Tool Shop</a:t>
             </a:r>
             <a:endParaRPr sz="3000"/>
           </a:p>
@@ -24246,7 +24246,7 @@
             </a:pPr>
             <a:r>
               <a:rPr lang="en" sz="1400"/>
-              <a:t>Katelynn Call –  </a:t>
+              <a:t>Katelynn Call –  Systems Engineer</a:t>
             </a:r>
             <a:endParaRPr sz="1400"/>
           </a:p>
@@ -24321,7 +24321,7 @@
         </p:blipFill>
         <p:spPr>
           <a:xfrm>
-            <a:off x="3945327" y="470543"/>
+            <a:off x="4021527" y="470543"/>
             <a:ext cx="1519947" cy="619355"/>
           </a:xfrm>
           <a:prstGeom prst="rect">
@@ -24436,7 +24436,7 @@
             </a:pPr>
             <a:r>
               <a:rPr lang="en" sz="1100"/>
-              <a:t>Dans Tool Shop</a:t>
+              <a:t>Dan’s Tool Shop</a:t>
             </a:r>
             <a:endParaRPr sz="1100"/>
           </a:p>
@@ -25456,7 +25456,7 @@
             </a:pPr>
             <a:r>
               <a:rPr lang="en" sz="1100"/>
-              <a:t>Dans Tool Shop</a:t>
+              <a:t>Dan’s Tool Shop</a:t>
             </a:r>
             <a:endParaRPr sz="1100"/>
           </a:p>
@@ -25865,7 +25865,7 @@
             </a:pPr>
             <a:r>
               <a:rPr lang="en" sz="1100"/>
-              <a:t>Dans Tool Shop</a:t>
+              <a:t>Dan’s Tool Shop</a:t>
             </a:r>
             <a:endParaRPr sz="1100"/>
           </a:p>
@@ -25918,7 +25918,7 @@
               <a:buNone/>
             </a:pPr>
             <a:r>
-              <a:rPr lang="en" sz="900">
+              <a:rPr lang="en" sz="1000">
                 <a:latin typeface="Georgia"/>
                 <a:ea typeface="Georgia"/>
                 <a:cs typeface="Georgia"/>
@@ -25926,7 +25926,7 @@
               </a:rPr>
               <a:t>At the beginning of the project the customer had a pretty descriptive idea of what they wanted when it came to tracking tools. During our first meeting with the customer we recorded the following requirements; which we’ve done our best to satisfy. We’ve listed these requirements into their respective FURPS, audience oriented, and MOSCOW categories:</a:t>
             </a:r>
-            <a:endParaRPr sz="900">
+            <a:endParaRPr sz="1000">
               <a:latin typeface="Georgia"/>
               <a:ea typeface="Georgia"/>
               <a:cs typeface="Georgia"/>
@@ -25934,19 +25934,19 @@
             </a:endParaRPr>
           </a:p>
           <a:p>
-            <a:pPr indent="-285750" lvl="0" marL="457200" rtl="0" algn="l">
+            <a:pPr indent="-292100" lvl="0" marL="457200" rtl="0" algn="l">
               <a:spcBef>
                 <a:spcPts val="800"/>
               </a:spcBef>
               <a:spcAft>
                 <a:spcPts val="0"/>
               </a:spcAft>
-              <a:buSzPts val="900"/>
+              <a:buSzPts val="1000"/>
               <a:buFont typeface="Georgia"/>
               <a:buChar char="●"/>
             </a:pPr>
             <a:r>
-              <a:rPr lang="en" sz="900">
+              <a:rPr lang="en" sz="1000">
                 <a:latin typeface="Georgia"/>
                 <a:ea typeface="Georgia"/>
                 <a:cs typeface="Georgia"/>
@@ -25954,7 +25954,7 @@
               </a:rPr>
               <a:t>FURPS:</a:t>
             </a:r>
-            <a:endParaRPr sz="900">
+            <a:endParaRPr sz="1000">
               <a:latin typeface="Georgia"/>
               <a:ea typeface="Georgia"/>
               <a:cs typeface="Georgia"/>
@@ -25962,19 +25962,19 @@
             </a:endParaRPr>
           </a:p>
           <a:p>
-            <a:pPr indent="-285750" lvl="1" marL="914400" rtl="0" algn="l">
-              <a:spcBef>
-                <a:spcPts val="0"/>
-              </a:spcBef>
-              <a:spcAft>
-                <a:spcPts val="0"/>
-              </a:spcAft>
-              <a:buSzPts val="900"/>
+            <a:pPr indent="-292100" lvl="1" marL="914400" rtl="0" algn="l">
+              <a:spcBef>
+                <a:spcPts val="0"/>
+              </a:spcBef>
+              <a:spcAft>
+                <a:spcPts val="0"/>
+              </a:spcAft>
+              <a:buSzPts val="1000"/>
               <a:buFont typeface="Georgia"/>
               <a:buChar char="○"/>
             </a:pPr>
             <a:r>
-              <a:rPr lang="en" sz="900">
+              <a:rPr lang="en" sz="1000">
                 <a:latin typeface="Georgia"/>
                 <a:ea typeface="Georgia"/>
                 <a:cs typeface="Georgia"/>
@@ -25982,7 +25982,7 @@
               </a:rPr>
               <a:t>Functionality:</a:t>
             </a:r>
-            <a:endParaRPr sz="900">
+            <a:endParaRPr sz="1000">
               <a:latin typeface="Georgia"/>
               <a:ea typeface="Georgia"/>
               <a:cs typeface="Georgia"/>
@@ -25990,19 +25990,19 @@
             </a:endParaRPr>
           </a:p>
           <a:p>
-            <a:pPr indent="-285750" lvl="2" marL="1371600" rtl="0" algn="l">
-              <a:spcBef>
-                <a:spcPts val="0"/>
-              </a:spcBef>
-              <a:spcAft>
-                <a:spcPts val="0"/>
-              </a:spcAft>
-              <a:buSzPts val="900"/>
+            <a:pPr indent="-292100" lvl="2" marL="1371600" rtl="0" algn="l">
+              <a:spcBef>
+                <a:spcPts val="0"/>
+              </a:spcBef>
+              <a:spcAft>
+                <a:spcPts val="0"/>
+              </a:spcAft>
+              <a:buSzPts val="1000"/>
               <a:buFont typeface="Georgia"/>
               <a:buChar char="■"/>
             </a:pPr>
             <a:r>
-              <a:rPr lang="en" sz="900">
+              <a:rPr lang="en" sz="1000">
                 <a:latin typeface="Georgia"/>
                 <a:ea typeface="Georgia"/>
                 <a:cs typeface="Georgia"/>
@@ -26010,7 +26010,7 @@
               </a:rPr>
               <a:t>Way to keep track of where all tools are.</a:t>
             </a:r>
-            <a:endParaRPr sz="900">
+            <a:endParaRPr sz="1000">
               <a:latin typeface="Georgia"/>
               <a:ea typeface="Georgia"/>
               <a:cs typeface="Georgia"/>
@@ -26018,19 +26018,19 @@
             </a:endParaRPr>
           </a:p>
           <a:p>
-            <a:pPr indent="-285750" lvl="2" marL="1371600" rtl="0" algn="l">
-              <a:spcBef>
-                <a:spcPts val="0"/>
-              </a:spcBef>
-              <a:spcAft>
-                <a:spcPts val="0"/>
-              </a:spcAft>
-              <a:buSzPts val="900"/>
+            <a:pPr indent="-292100" lvl="2" marL="1371600" rtl="0" algn="l">
+              <a:spcBef>
+                <a:spcPts val="0"/>
+              </a:spcBef>
+              <a:spcAft>
+                <a:spcPts val="0"/>
+              </a:spcAft>
+              <a:buSzPts val="1000"/>
               <a:buFont typeface="Georgia"/>
               <a:buChar char="■"/>
             </a:pPr>
             <a:r>
-              <a:rPr lang="en" sz="900">
+              <a:rPr lang="en" sz="1000">
                 <a:latin typeface="Georgia"/>
                 <a:ea typeface="Georgia"/>
                 <a:cs typeface="Georgia"/>
@@ -26038,7 +26038,7 @@
               </a:rPr>
               <a:t>Way to charge for lost tools, and order new tools when broken reasonably.</a:t>
             </a:r>
-            <a:endParaRPr sz="900">
+            <a:endParaRPr sz="1000">
               <a:latin typeface="Georgia"/>
               <a:ea typeface="Georgia"/>
               <a:cs typeface="Georgia"/>
@@ -26046,19 +26046,19 @@
             </a:endParaRPr>
           </a:p>
           <a:p>
-            <a:pPr indent="-285750" lvl="2" marL="1371600" rtl="0" algn="l">
-              <a:spcBef>
-                <a:spcPts val="0"/>
-              </a:spcBef>
-              <a:spcAft>
-                <a:spcPts val="0"/>
-              </a:spcAft>
-              <a:buSzPts val="900"/>
+            <a:pPr indent="-292100" lvl="2" marL="1371600" rtl="0" algn="l">
+              <a:spcBef>
+                <a:spcPts val="0"/>
+              </a:spcBef>
+              <a:spcAft>
+                <a:spcPts val="0"/>
+              </a:spcAft>
+              <a:buSzPts val="1000"/>
               <a:buFont typeface="Georgia"/>
               <a:buChar char="■"/>
             </a:pPr>
             <a:r>
-              <a:rPr lang="en" sz="900">
+              <a:rPr lang="en" sz="1000">
                 <a:latin typeface="Georgia"/>
                 <a:ea typeface="Georgia"/>
                 <a:cs typeface="Georgia"/>
@@ -26066,7 +26066,7 @@
               </a:rPr>
               <a:t>Way to identify users, as well as who currently has what.</a:t>
             </a:r>
-            <a:endParaRPr sz="900">
+            <a:endParaRPr sz="1000">
               <a:latin typeface="Georgia"/>
               <a:ea typeface="Georgia"/>
               <a:cs typeface="Georgia"/>
@@ -26074,19 +26074,19 @@
             </a:endParaRPr>
           </a:p>
           <a:p>
-            <a:pPr indent="-285750" lvl="2" marL="1371600" rtl="0" algn="l">
-              <a:spcBef>
-                <a:spcPts val="0"/>
-              </a:spcBef>
-              <a:spcAft>
-                <a:spcPts val="0"/>
-              </a:spcAft>
-              <a:buSzPts val="900"/>
+            <a:pPr indent="-292100" lvl="2" marL="1371600" rtl="0" algn="l">
+              <a:spcBef>
+                <a:spcPts val="0"/>
+              </a:spcBef>
+              <a:spcAft>
+                <a:spcPts val="0"/>
+              </a:spcAft>
+              <a:buSzPts val="1000"/>
               <a:buFont typeface="Georgia"/>
               <a:buChar char="■"/>
             </a:pPr>
             <a:r>
-              <a:rPr lang="en" sz="900">
+              <a:rPr lang="en" sz="1000">
                 <a:latin typeface="Georgia"/>
                 <a:ea typeface="Georgia"/>
                 <a:cs typeface="Georgia"/>
@@ -26094,7 +26094,7 @@
               </a:rPr>
               <a:t>Way to keep track of requests for tools that are broken/requested by not available.</a:t>
             </a:r>
-            <a:endParaRPr sz="900">
+            <a:endParaRPr sz="1000">
               <a:latin typeface="Georgia"/>
               <a:ea typeface="Georgia"/>
               <a:cs typeface="Georgia"/>
@@ -26102,19 +26102,19 @@
             </a:endParaRPr>
           </a:p>
           <a:p>
-            <a:pPr indent="-285750" lvl="2" marL="1371600" rtl="0" algn="l">
-              <a:spcBef>
-                <a:spcPts val="0"/>
-              </a:spcBef>
-              <a:spcAft>
-                <a:spcPts val="0"/>
-              </a:spcAft>
-              <a:buSzPts val="900"/>
+            <a:pPr indent="-292100" lvl="2" marL="1371600" rtl="0" algn="l">
+              <a:spcBef>
+                <a:spcPts val="0"/>
+              </a:spcBef>
+              <a:spcAft>
+                <a:spcPts val="0"/>
+              </a:spcAft>
+              <a:buSzPts val="1000"/>
               <a:buFont typeface="Georgia"/>
               <a:buChar char="■"/>
             </a:pPr>
             <a:r>
-              <a:rPr lang="en" sz="900">
+              <a:rPr lang="en" sz="1000">
                 <a:latin typeface="Georgia"/>
                 <a:ea typeface="Georgia"/>
                 <a:cs typeface="Georgia"/>
@@ -26122,7 +26122,7 @@
               </a:rPr>
               <a:t>List of tools and tool sets (by category).</a:t>
             </a:r>
-            <a:endParaRPr sz="900">
+            <a:endParaRPr sz="1000">
               <a:latin typeface="Georgia"/>
               <a:ea typeface="Georgia"/>
               <a:cs typeface="Georgia"/>
@@ -26130,19 +26130,19 @@
             </a:endParaRPr>
           </a:p>
           <a:p>
-            <a:pPr indent="-285750" lvl="2" marL="1371600" rtl="0" algn="l">
-              <a:spcBef>
-                <a:spcPts val="0"/>
-              </a:spcBef>
-              <a:spcAft>
-                <a:spcPts val="0"/>
-              </a:spcAft>
-              <a:buSzPts val="900"/>
+            <a:pPr indent="-292100" lvl="2" marL="1371600" rtl="0" algn="l">
+              <a:spcBef>
+                <a:spcPts val="0"/>
+              </a:spcBef>
+              <a:spcAft>
+                <a:spcPts val="0"/>
+              </a:spcAft>
+              <a:buSzPts val="1000"/>
               <a:buFont typeface="Georgia"/>
               <a:buChar char="■"/>
             </a:pPr>
             <a:r>
-              <a:rPr lang="en" sz="900">
+              <a:rPr lang="en" sz="1000">
                 <a:latin typeface="Georgia"/>
                 <a:ea typeface="Georgia"/>
                 <a:cs typeface="Georgia"/>
@@ -26150,7 +26150,7 @@
               </a:rPr>
               <a:t>Way for employees to check tools in/out, mark as bad/missing, and view user accounts.</a:t>
             </a:r>
-            <a:endParaRPr sz="900">
+            <a:endParaRPr sz="1000">
               <a:latin typeface="Georgia"/>
               <a:ea typeface="Georgia"/>
               <a:cs typeface="Georgia"/>
@@ -26158,19 +26158,19 @@
             </a:endParaRPr>
           </a:p>
           <a:p>
-            <a:pPr indent="-285750" lvl="2" marL="1371600" rtl="0" algn="l">
-              <a:spcBef>
-                <a:spcPts val="0"/>
-              </a:spcBef>
-              <a:spcAft>
-                <a:spcPts val="0"/>
-              </a:spcAft>
-              <a:buSzPts val="900"/>
+            <a:pPr indent="-292100" lvl="2" marL="1371600" rtl="0" algn="l">
+              <a:spcBef>
+                <a:spcPts val="0"/>
+              </a:spcBef>
+              <a:spcAft>
+                <a:spcPts val="0"/>
+              </a:spcAft>
+              <a:buSzPts val="1000"/>
               <a:buFont typeface="Georgia"/>
               <a:buChar char="■"/>
             </a:pPr>
             <a:r>
-              <a:rPr lang="en" sz="900">
+              <a:rPr lang="en" sz="1000">
                 <a:latin typeface="Georgia"/>
                 <a:ea typeface="Georgia"/>
                 <a:cs typeface="Georgia"/>
@@ -26178,7 +26178,7 @@
               </a:rPr>
               <a:t>Way to audit a tool (see when/who it has been checked out by).</a:t>
             </a:r>
-            <a:endParaRPr sz="900">
+            <a:endParaRPr sz="1000">
               <a:latin typeface="Georgia"/>
               <a:ea typeface="Georgia"/>
               <a:cs typeface="Georgia"/>
@@ -26186,19 +26186,19 @@
             </a:endParaRPr>
           </a:p>
           <a:p>
-            <a:pPr indent="-285750" lvl="2" marL="1371600" rtl="0" algn="l">
-              <a:spcBef>
-                <a:spcPts val="0"/>
-              </a:spcBef>
-              <a:spcAft>
-                <a:spcPts val="0"/>
-              </a:spcAft>
-              <a:buSzPts val="900"/>
+            <a:pPr indent="-292100" lvl="2" marL="1371600" rtl="0" algn="l">
+              <a:spcBef>
+                <a:spcPts val="0"/>
+              </a:spcBef>
+              <a:spcAft>
+                <a:spcPts val="0"/>
+              </a:spcAft>
+              <a:buSzPts val="1000"/>
               <a:buFont typeface="Georgia"/>
               <a:buChar char="■"/>
             </a:pPr>
             <a:r>
-              <a:rPr lang="en" sz="900">
+              <a:rPr lang="en" sz="1000">
                 <a:latin typeface="Georgia"/>
                 <a:ea typeface="Georgia"/>
                 <a:cs typeface="Georgia"/>
@@ -26206,7 +26206,7 @@
               </a:rPr>
               <a:t>Create a way to keep track of users/tools/checkout system.</a:t>
             </a:r>
-            <a:endParaRPr sz="900">
+            <a:endParaRPr sz="1000">
               <a:latin typeface="Georgia"/>
               <a:ea typeface="Georgia"/>
               <a:cs typeface="Georgia"/>
@@ -26214,19 +26214,19 @@
             </a:endParaRPr>
           </a:p>
           <a:p>
-            <a:pPr indent="-285750" lvl="2" marL="1371600" rtl="0" algn="l">
-              <a:spcBef>
-                <a:spcPts val="0"/>
-              </a:spcBef>
-              <a:spcAft>
-                <a:spcPts val="0"/>
-              </a:spcAft>
-              <a:buSzPts val="900"/>
+            <a:pPr indent="-292100" lvl="2" marL="1371600" rtl="0" algn="l">
+              <a:spcBef>
+                <a:spcPts val="0"/>
+              </a:spcBef>
+              <a:spcAft>
+                <a:spcPts val="0"/>
+              </a:spcAft>
+              <a:buSzPts val="1000"/>
               <a:buFont typeface="Georgia"/>
               <a:buChar char="■"/>
             </a:pPr>
             <a:r>
-              <a:rPr lang="en" sz="900">
+              <a:rPr lang="en" sz="1000">
                 <a:latin typeface="Georgia"/>
                 <a:ea typeface="Georgia"/>
                 <a:cs typeface="Georgia"/>
@@ -26234,7 +26234,7 @@
               </a:rPr>
               <a:t>Keep track of number of times items have been requested/checked out.</a:t>
             </a:r>
-            <a:endParaRPr sz="900">
+            <a:endParaRPr sz="1000">
               <a:latin typeface="Georgia"/>
               <a:ea typeface="Georgia"/>
               <a:cs typeface="Georgia"/>
@@ -26242,19 +26242,19 @@
             </a:endParaRPr>
           </a:p>
           <a:p>
-            <a:pPr indent="-285750" lvl="2" marL="1371600" rtl="0" algn="l">
-              <a:spcBef>
-                <a:spcPts val="0"/>
-              </a:spcBef>
-              <a:spcAft>
-                <a:spcPts val="0"/>
-              </a:spcAft>
-              <a:buSzPts val="900"/>
+            <a:pPr indent="-292100" lvl="2" marL="1371600" rtl="0" algn="l">
+              <a:spcBef>
+                <a:spcPts val="0"/>
+              </a:spcBef>
+              <a:spcAft>
+                <a:spcPts val="0"/>
+              </a:spcAft>
+              <a:buSzPts val="1000"/>
               <a:buFont typeface="Georgia"/>
               <a:buChar char="■"/>
             </a:pPr>
             <a:r>
-              <a:rPr lang="en" sz="900">
+              <a:rPr lang="en" sz="1000">
                 <a:latin typeface="Georgia"/>
                 <a:ea typeface="Georgia"/>
                 <a:cs typeface="Georgia"/>
@@ -26262,7 +26262,7 @@
               </a:rPr>
               <a:t>Way to view reports on users/tools/finance. </a:t>
             </a:r>
-            <a:endParaRPr sz="900">
+            <a:endParaRPr sz="1000">
               <a:latin typeface="Georgia"/>
               <a:ea typeface="Georgia"/>
               <a:cs typeface="Georgia"/>
@@ -26270,7 +26270,7 @@
             </a:endParaRPr>
           </a:p>
           <a:p>
-            <a:pPr indent="-285750" lvl="0" marL="457200" rtl="0" algn="l">
+            <a:pPr indent="-292100" lvl="0" marL="457200" rtl="0" algn="l">
               <a:lnSpc>
                 <a:spcPct val="115000"/>
               </a:lnSpc>
@@ -26280,12 +26280,12 @@
               <a:spcAft>
                 <a:spcPts val="0"/>
               </a:spcAft>
-              <a:buSzPts val="900"/>
+              <a:buSzPts val="1000"/>
               <a:buFont typeface="Georgia"/>
               <a:buChar char="●"/>
             </a:pPr>
             <a:r>
-              <a:rPr lang="en" sz="900">
+              <a:rPr lang="en" sz="1000">
                 <a:latin typeface="Georgia"/>
                 <a:ea typeface="Georgia"/>
                 <a:cs typeface="Georgia"/>
@@ -26293,7 +26293,7 @@
               </a:rPr>
               <a:t>Audience Oriented:</a:t>
             </a:r>
-            <a:endParaRPr sz="900">
+            <a:endParaRPr sz="1000">
               <a:latin typeface="Georgia"/>
               <a:ea typeface="Georgia"/>
               <a:cs typeface="Georgia"/>
@@ -26301,7 +26301,7 @@
             </a:endParaRPr>
           </a:p>
           <a:p>
-            <a:pPr indent="-285750" lvl="1" marL="914400" rtl="0" algn="l">
+            <a:pPr indent="-292100" lvl="1" marL="914400" rtl="0" algn="l">
               <a:lnSpc>
                 <a:spcPct val="115000"/>
               </a:lnSpc>
@@ -26311,12 +26311,12 @@
               <a:spcAft>
                 <a:spcPts val="0"/>
               </a:spcAft>
-              <a:buSzPts val="900"/>
+              <a:buSzPts val="1000"/>
               <a:buFont typeface="Georgia"/>
               <a:buChar char="○"/>
             </a:pPr>
             <a:r>
-              <a:rPr lang="en" sz="900">
+              <a:rPr lang="en" sz="1000">
                 <a:latin typeface="Georgia"/>
                 <a:ea typeface="Georgia"/>
                 <a:cs typeface="Georgia"/>
@@ -26324,7 +26324,7 @@
               </a:rPr>
               <a:t>Business:</a:t>
             </a:r>
-            <a:endParaRPr sz="900">
+            <a:endParaRPr sz="1000">
               <a:latin typeface="Georgia"/>
               <a:ea typeface="Georgia"/>
               <a:cs typeface="Georgia"/>
@@ -26332,7 +26332,7 @@
             </a:endParaRPr>
           </a:p>
           <a:p>
-            <a:pPr indent="-285750" lvl="2" marL="1371600" rtl="0" algn="l">
+            <a:pPr indent="-292100" lvl="2" marL="1371600" rtl="0" algn="l">
               <a:lnSpc>
                 <a:spcPct val="115000"/>
               </a:lnSpc>
@@ -26342,12 +26342,12 @@
               <a:spcAft>
                 <a:spcPts val="0"/>
               </a:spcAft>
-              <a:buSzPts val="900"/>
+              <a:buSzPts val="1000"/>
               <a:buFont typeface="Georgia"/>
               <a:buChar char="■"/>
             </a:pPr>
             <a:r>
-              <a:rPr lang="en" sz="900">
+              <a:rPr lang="en" sz="1000">
                 <a:latin typeface="Georgia"/>
                 <a:ea typeface="Georgia"/>
                 <a:cs typeface="Georgia"/>
@@ -26355,7 +26355,7 @@
               </a:rPr>
               <a:t>Way to keep track of where all tools are.</a:t>
             </a:r>
-            <a:endParaRPr sz="900">
+            <a:endParaRPr sz="1000">
               <a:latin typeface="Georgia"/>
               <a:ea typeface="Georgia"/>
               <a:cs typeface="Georgia"/>
@@ -26363,7 +26363,7 @@
             </a:endParaRPr>
           </a:p>
           <a:p>
-            <a:pPr indent="-285750" lvl="2" marL="1371600" rtl="0" algn="l">
+            <a:pPr indent="-292100" lvl="2" marL="1371600" rtl="0" algn="l">
               <a:lnSpc>
                 <a:spcPct val="115000"/>
               </a:lnSpc>
@@ -26373,12 +26373,12 @@
               <a:spcAft>
                 <a:spcPts val="0"/>
               </a:spcAft>
-              <a:buSzPts val="900"/>
+              <a:buSzPts val="1000"/>
               <a:buFont typeface="Georgia"/>
               <a:buChar char="■"/>
             </a:pPr>
             <a:r>
-              <a:rPr lang="en" sz="900">
+              <a:rPr lang="en" sz="1000">
                 <a:latin typeface="Georgia"/>
                 <a:ea typeface="Georgia"/>
                 <a:cs typeface="Georgia"/>
@@ -26386,7 +26386,7 @@
               </a:rPr>
               <a:t>Way to charge users for lost tools, and order new tools when broken.</a:t>
             </a:r>
-            <a:endParaRPr sz="900">
+            <a:endParaRPr sz="1000">
               <a:latin typeface="Georgia"/>
               <a:ea typeface="Georgia"/>
               <a:cs typeface="Georgia"/>
@@ -26394,7 +26394,7 @@
             </a:endParaRPr>
           </a:p>
           <a:p>
-            <a:pPr indent="-285750" lvl="2" marL="1371600" rtl="0" algn="l">
+            <a:pPr indent="-292100" lvl="2" marL="1371600" rtl="0" algn="l">
               <a:lnSpc>
                 <a:spcPct val="115000"/>
               </a:lnSpc>
@@ -26404,12 +26404,12 @@
               <a:spcAft>
                 <a:spcPts val="0"/>
               </a:spcAft>
-              <a:buSzPts val="900"/>
+              <a:buSzPts val="1000"/>
               <a:buFont typeface="Georgia"/>
               <a:buChar char="■"/>
             </a:pPr>
             <a:r>
-              <a:rPr lang="en" sz="900">
+              <a:rPr lang="en" sz="1000">
                 <a:latin typeface="Georgia"/>
                 <a:ea typeface="Georgia"/>
                 <a:cs typeface="Georgia"/>
@@ -26417,7 +26417,7 @@
               </a:rPr>
               <a:t>Way for employees to check tools in/out, mark as bad/missing/ and view user accounts.</a:t>
             </a:r>
-            <a:endParaRPr sz="900">
+            <a:endParaRPr sz="1000">
               <a:latin typeface="Georgia"/>
               <a:ea typeface="Georgia"/>
               <a:cs typeface="Georgia"/>
@@ -26425,7 +26425,7 @@
             </a:endParaRPr>
           </a:p>
           <a:p>
-            <a:pPr indent="-285750" lvl="2" marL="1371600" rtl="0" algn="l">
+            <a:pPr indent="-292100" lvl="2" marL="1371600" rtl="0" algn="l">
               <a:lnSpc>
                 <a:spcPct val="115000"/>
               </a:lnSpc>
@@ -26435,12 +26435,12 @@
               <a:spcAft>
                 <a:spcPts val="0"/>
               </a:spcAft>
-              <a:buSzPts val="900"/>
+              <a:buSzPts val="1000"/>
               <a:buFont typeface="Georgia"/>
               <a:buChar char="■"/>
             </a:pPr>
             <a:r>
-              <a:rPr lang="en" sz="900">
+              <a:rPr lang="en" sz="1000">
                 <a:latin typeface="Georgia"/>
                 <a:ea typeface="Georgia"/>
                 <a:cs typeface="Georgia"/>
@@ -26448,7 +26448,7 @@
               </a:rPr>
               <a:t>Way to audit a tool (see when/who it has been check out by).</a:t>
             </a:r>
-            <a:endParaRPr sz="900">
+            <a:endParaRPr sz="1000">
               <a:latin typeface="Georgia"/>
               <a:ea typeface="Georgia"/>
               <a:cs typeface="Georgia"/>
@@ -26456,7 +26456,7 @@
             </a:endParaRPr>
           </a:p>
           <a:p>
-            <a:pPr indent="-285750" lvl="2" marL="1371600" rtl="0" algn="l">
+            <a:pPr indent="-292100" lvl="2" marL="1371600" rtl="0" algn="l">
               <a:lnSpc>
                 <a:spcPct val="115000"/>
               </a:lnSpc>
@@ -26466,12 +26466,12 @@
               <a:spcAft>
                 <a:spcPts val="0"/>
               </a:spcAft>
-              <a:buSzPts val="900"/>
+              <a:buSzPts val="1000"/>
               <a:buFont typeface="Georgia"/>
               <a:buChar char="■"/>
             </a:pPr>
             <a:r>
-              <a:rPr lang="en" sz="900">
+              <a:rPr lang="en" sz="1000">
                 <a:latin typeface="Georgia"/>
                 <a:ea typeface="Georgia"/>
                 <a:cs typeface="Georgia"/>
@@ -26479,7 +26479,7 @@
               </a:rPr>
               <a:t>Keep track of number of times items have been requested/check out.</a:t>
             </a:r>
-            <a:endParaRPr sz="900">
+            <a:endParaRPr sz="1000">
               <a:latin typeface="Georgia"/>
               <a:ea typeface="Georgia"/>
               <a:cs typeface="Georgia"/>
@@ -26499,7 +26499,7 @@
             <a:r>
               <a:t/>
             </a:r>
-            <a:endParaRPr sz="1400">
+            <a:endParaRPr sz="1000">
               <a:latin typeface="Georgia"/>
               <a:ea typeface="Georgia"/>
               <a:cs typeface="Georgia"/>
@@ -26696,7 +26696,7 @@
             </a:pPr>
             <a:r>
               <a:rPr lang="en" sz="1100"/>
-              <a:t>Dans Tool Shop</a:t>
+              <a:t>Dan’s Tool Shop</a:t>
             </a:r>
             <a:endParaRPr sz="1100"/>
           </a:p>
@@ -26748,7 +26748,7 @@
             <a:r>
               <a:t/>
             </a:r>
-            <a:endParaRPr sz="900">
+            <a:endParaRPr sz="1000">
               <a:latin typeface="Georgia"/>
               <a:ea typeface="Georgia"/>
               <a:cs typeface="Georgia"/>
@@ -26756,7 +26756,7 @@
             </a:endParaRPr>
           </a:p>
           <a:p>
-            <a:pPr indent="-285750" lvl="0" marL="457200" rtl="0" algn="l">
+            <a:pPr indent="-292100" lvl="0" marL="457200" rtl="0" algn="l">
               <a:lnSpc>
                 <a:spcPct val="115000"/>
               </a:lnSpc>
@@ -26766,12 +26766,12 @@
               <a:spcAft>
                 <a:spcPts val="0"/>
               </a:spcAft>
-              <a:buSzPts val="900"/>
+              <a:buSzPts val="1000"/>
               <a:buFont typeface="Georgia"/>
               <a:buChar char="●"/>
             </a:pPr>
             <a:r>
-              <a:rPr lang="en" sz="900">
+              <a:rPr lang="en" sz="1000">
                 <a:latin typeface="Georgia"/>
                 <a:ea typeface="Georgia"/>
                 <a:cs typeface="Georgia"/>
@@ -26779,7 +26779,7 @@
               </a:rPr>
               <a:t>Audience Oriented (continued):</a:t>
             </a:r>
-            <a:endParaRPr sz="900">
+            <a:endParaRPr sz="1000">
               <a:latin typeface="Georgia"/>
               <a:ea typeface="Georgia"/>
               <a:cs typeface="Georgia"/>
@@ -26787,7 +26787,7 @@
             </a:endParaRPr>
           </a:p>
           <a:p>
-            <a:pPr indent="-285750" lvl="1" marL="914400" rtl="0" algn="l">
+            <a:pPr indent="-292100" lvl="1" marL="914400" rtl="0" algn="l">
               <a:lnSpc>
                 <a:spcPct val="115000"/>
               </a:lnSpc>
@@ -26797,12 +26797,12 @@
               <a:spcAft>
                 <a:spcPts val="0"/>
               </a:spcAft>
-              <a:buSzPts val="900"/>
+              <a:buSzPts val="1000"/>
               <a:buFont typeface="Georgia"/>
               <a:buChar char="○"/>
             </a:pPr>
             <a:r>
-              <a:rPr lang="en" sz="900">
+              <a:rPr lang="en" sz="1000">
                 <a:latin typeface="Georgia"/>
                 <a:ea typeface="Georgia"/>
                 <a:cs typeface="Georgia"/>
@@ -26810,7 +26810,7 @@
               </a:rPr>
               <a:t>User:</a:t>
             </a:r>
-            <a:endParaRPr sz="900">
+            <a:endParaRPr sz="1000">
               <a:latin typeface="Georgia"/>
               <a:ea typeface="Georgia"/>
               <a:cs typeface="Georgia"/>
@@ -26818,7 +26818,7 @@
             </a:endParaRPr>
           </a:p>
           <a:p>
-            <a:pPr indent="-279400" lvl="2" marL="1371600" rtl="0" algn="l">
+            <a:pPr indent="-292100" lvl="2" marL="1371600" rtl="0" algn="l">
               <a:lnSpc>
                 <a:spcPct val="115000"/>
               </a:lnSpc>
@@ -26828,12 +26828,12 @@
               <a:spcAft>
                 <a:spcPts val="0"/>
               </a:spcAft>
-              <a:buSzPts val="800"/>
+              <a:buSzPts val="1000"/>
               <a:buFont typeface="Georgia"/>
               <a:buChar char="■"/>
             </a:pPr>
             <a:r>
-              <a:rPr lang="en" sz="900">
+              <a:rPr lang="en" sz="1000">
                 <a:latin typeface="Georgia"/>
                 <a:ea typeface="Georgia"/>
                 <a:cs typeface="Georgia"/>
@@ -26841,7 +26841,7 @@
               </a:rPr>
               <a:t>Way for employees to check tools in/out, mark as bad/missing, and view user accounts.</a:t>
             </a:r>
-            <a:endParaRPr sz="900">
+            <a:endParaRPr sz="1000">
               <a:latin typeface="Georgia"/>
               <a:ea typeface="Georgia"/>
               <a:cs typeface="Georgia"/>
@@ -26849,7 +26849,7 @@
             </a:endParaRPr>
           </a:p>
           <a:p>
-            <a:pPr indent="-285750" lvl="1" marL="914400" rtl="0" algn="l">
+            <a:pPr indent="-292100" lvl="1" marL="914400" rtl="0" algn="l">
               <a:lnSpc>
                 <a:spcPct val="115000"/>
               </a:lnSpc>
@@ -26859,12 +26859,12 @@
               <a:spcAft>
                 <a:spcPts val="0"/>
               </a:spcAft>
-              <a:buSzPts val="900"/>
+              <a:buSzPts val="1000"/>
               <a:buFont typeface="Georgia"/>
               <a:buChar char="○"/>
             </a:pPr>
             <a:r>
-              <a:rPr lang="en" sz="900">
+              <a:rPr lang="en" sz="1000">
                 <a:latin typeface="Georgia"/>
                 <a:ea typeface="Georgia"/>
                 <a:cs typeface="Georgia"/>
@@ -26872,7 +26872,7 @@
               </a:rPr>
               <a:t>Functional:</a:t>
             </a:r>
-            <a:endParaRPr sz="900">
+            <a:endParaRPr sz="1000">
               <a:latin typeface="Georgia"/>
               <a:ea typeface="Georgia"/>
               <a:cs typeface="Georgia"/>
@@ -26880,7 +26880,7 @@
             </a:endParaRPr>
           </a:p>
           <a:p>
-            <a:pPr indent="-285750" lvl="2" marL="1371600" rtl="0" algn="l">
+            <a:pPr indent="-292100" lvl="2" marL="1371600" rtl="0" algn="l">
               <a:lnSpc>
                 <a:spcPct val="115000"/>
               </a:lnSpc>
@@ -26890,12 +26890,12 @@
               <a:spcAft>
                 <a:spcPts val="0"/>
               </a:spcAft>
-              <a:buSzPts val="900"/>
+              <a:buSzPts val="1000"/>
               <a:buFont typeface="Georgia"/>
               <a:buChar char="■"/>
             </a:pPr>
             <a:r>
-              <a:rPr lang="en" sz="900">
+              <a:rPr lang="en" sz="1000">
                 <a:latin typeface="Georgia"/>
                 <a:ea typeface="Georgia"/>
                 <a:cs typeface="Georgia"/>
@@ -26903,7 +26903,7 @@
               </a:rPr>
               <a:t>Way to keep track of where all tools are.</a:t>
             </a:r>
-            <a:endParaRPr sz="900">
+            <a:endParaRPr sz="1000">
               <a:latin typeface="Georgia"/>
               <a:ea typeface="Georgia"/>
               <a:cs typeface="Georgia"/>
@@ -26911,7 +26911,7 @@
             </a:endParaRPr>
           </a:p>
           <a:p>
-            <a:pPr indent="-285750" lvl="2" marL="1371600" rtl="0" algn="l">
+            <a:pPr indent="-292100" lvl="2" marL="1371600" rtl="0" algn="l">
               <a:lnSpc>
                 <a:spcPct val="115000"/>
               </a:lnSpc>
@@ -26921,12 +26921,12 @@
               <a:spcAft>
                 <a:spcPts val="0"/>
               </a:spcAft>
-              <a:buSzPts val="900"/>
+              <a:buSzPts val="1000"/>
               <a:buFont typeface="Georgia"/>
               <a:buChar char="■"/>
             </a:pPr>
             <a:r>
-              <a:rPr lang="en" sz="900">
+              <a:rPr lang="en" sz="1000">
                 <a:latin typeface="Georgia"/>
                 <a:ea typeface="Georgia"/>
                 <a:cs typeface="Georgia"/>
@@ -26934,7 +26934,7 @@
               </a:rPr>
               <a:t>Way to identify users, as well as who currently has what.</a:t>
             </a:r>
-            <a:endParaRPr sz="900">
+            <a:endParaRPr sz="1000">
               <a:latin typeface="Georgia"/>
               <a:ea typeface="Georgia"/>
               <a:cs typeface="Georgia"/>
@@ -26942,7 +26942,7 @@
             </a:endParaRPr>
           </a:p>
           <a:p>
-            <a:pPr indent="-285750" lvl="2" marL="1371600" rtl="0" algn="l">
+            <a:pPr indent="-292100" lvl="2" marL="1371600" rtl="0" algn="l">
               <a:lnSpc>
                 <a:spcPct val="115000"/>
               </a:lnSpc>
@@ -26952,12 +26952,12 @@
               <a:spcAft>
                 <a:spcPts val="0"/>
               </a:spcAft>
-              <a:buSzPts val="900"/>
+              <a:buSzPts val="1000"/>
               <a:buFont typeface="Georgia"/>
               <a:buChar char="■"/>
             </a:pPr>
             <a:r>
-              <a:rPr lang="en" sz="900">
+              <a:rPr lang="en" sz="1000">
                 <a:latin typeface="Georgia"/>
                 <a:ea typeface="Georgia"/>
                 <a:cs typeface="Georgia"/>
@@ -26965,7 +26965,7 @@
               </a:rPr>
               <a:t>List of tools and tools sets (by category).</a:t>
             </a:r>
-            <a:endParaRPr sz="900">
+            <a:endParaRPr sz="1000">
               <a:latin typeface="Georgia"/>
               <a:ea typeface="Georgia"/>
               <a:cs typeface="Georgia"/>
@@ -26973,7 +26973,7 @@
             </a:endParaRPr>
           </a:p>
           <a:p>
-            <a:pPr indent="-285750" lvl="2" marL="1371600" rtl="0" algn="l">
+            <a:pPr indent="-292100" lvl="2" marL="1371600" rtl="0" algn="l">
               <a:lnSpc>
                 <a:spcPct val="115000"/>
               </a:lnSpc>
@@ -26983,12 +26983,12 @@
               <a:spcAft>
                 <a:spcPts val="0"/>
               </a:spcAft>
-              <a:buSzPts val="900"/>
+              <a:buSzPts val="1000"/>
               <a:buFont typeface="Georgia"/>
               <a:buChar char="■"/>
             </a:pPr>
             <a:r>
-              <a:rPr lang="en" sz="900">
+              <a:rPr lang="en" sz="1000">
                 <a:latin typeface="Georgia"/>
                 <a:ea typeface="Georgia"/>
                 <a:cs typeface="Georgia"/>
@@ -26996,7 +26996,7 @@
               </a:rPr>
               <a:t>Ways for employees to check tools in/out, mark as bad/missing, and view user accounts.</a:t>
             </a:r>
-            <a:endParaRPr sz="900">
+            <a:endParaRPr sz="1000">
               <a:latin typeface="Georgia"/>
               <a:ea typeface="Georgia"/>
               <a:cs typeface="Georgia"/>
@@ -27004,7 +27004,7 @@
             </a:endParaRPr>
           </a:p>
           <a:p>
-            <a:pPr indent="-285750" lvl="2" marL="1371600" rtl="0" algn="l">
+            <a:pPr indent="-292100" lvl="2" marL="1371600" rtl="0" algn="l">
               <a:lnSpc>
                 <a:spcPct val="115000"/>
               </a:lnSpc>
@@ -27014,12 +27014,12 @@
               <a:spcAft>
                 <a:spcPts val="0"/>
               </a:spcAft>
-              <a:buSzPts val="900"/>
+              <a:buSzPts val="1000"/>
               <a:buFont typeface="Georgia"/>
               <a:buChar char="■"/>
             </a:pPr>
             <a:r>
-              <a:rPr lang="en" sz="900">
+              <a:rPr lang="en" sz="1000">
                 <a:latin typeface="Georgia"/>
                 <a:ea typeface="Georgia"/>
                 <a:cs typeface="Georgia"/>
@@ -27027,7 +27027,7 @@
               </a:rPr>
               <a:t>Way to audit a tool (see when/who it has been checked out by).</a:t>
             </a:r>
-            <a:endParaRPr sz="900">
+            <a:endParaRPr sz="1000">
               <a:latin typeface="Georgia"/>
               <a:ea typeface="Georgia"/>
               <a:cs typeface="Georgia"/>
@@ -27035,7 +27035,7 @@
             </a:endParaRPr>
           </a:p>
           <a:p>
-            <a:pPr indent="-285750" lvl="2" marL="1371600" rtl="0" algn="l">
+            <a:pPr indent="-292100" lvl="2" marL="1371600" rtl="0" algn="l">
               <a:lnSpc>
                 <a:spcPct val="115000"/>
               </a:lnSpc>
@@ -27045,12 +27045,12 @@
               <a:spcAft>
                 <a:spcPts val="0"/>
               </a:spcAft>
-              <a:buSzPts val="900"/>
+              <a:buSzPts val="1000"/>
               <a:buFont typeface="Georgia"/>
               <a:buChar char="■"/>
             </a:pPr>
             <a:r>
-              <a:rPr lang="en" sz="900">
+              <a:rPr lang="en" sz="1000">
                 <a:latin typeface="Georgia"/>
                 <a:ea typeface="Georgia"/>
                 <a:cs typeface="Georgia"/>
@@ -27058,7 +27058,7 @@
               </a:rPr>
               <a:t>Create a way to keep track of users/tools/checkout system.</a:t>
             </a:r>
-            <a:endParaRPr sz="900">
+            <a:endParaRPr sz="1000">
               <a:latin typeface="Georgia"/>
               <a:ea typeface="Georgia"/>
               <a:cs typeface="Georgia"/>
@@ -27066,7 +27066,7 @@
             </a:endParaRPr>
           </a:p>
           <a:p>
-            <a:pPr indent="-285750" lvl="2" marL="1371600" rtl="0" algn="l">
+            <a:pPr indent="-292100" lvl="2" marL="1371600" rtl="0" algn="l">
               <a:lnSpc>
                 <a:spcPct val="115000"/>
               </a:lnSpc>
@@ -27076,12 +27076,12 @@
               <a:spcAft>
                 <a:spcPts val="0"/>
               </a:spcAft>
-              <a:buSzPts val="900"/>
+              <a:buSzPts val="1000"/>
               <a:buFont typeface="Georgia"/>
               <a:buChar char="■"/>
             </a:pPr>
             <a:r>
-              <a:rPr lang="en" sz="900">
+              <a:rPr lang="en" sz="1000">
                 <a:latin typeface="Georgia"/>
                 <a:ea typeface="Georgia"/>
                 <a:cs typeface="Georgia"/>
@@ -27089,7 +27089,7 @@
               </a:rPr>
               <a:t>Keep track of number of times items have been request/checked out.</a:t>
             </a:r>
-            <a:endParaRPr sz="900">
+            <a:endParaRPr sz="1000">
               <a:latin typeface="Georgia"/>
               <a:ea typeface="Georgia"/>
               <a:cs typeface="Georgia"/>
@@ -27097,7 +27097,7 @@
             </a:endParaRPr>
           </a:p>
           <a:p>
-            <a:pPr indent="-285750" lvl="0" marL="457200" rtl="0" algn="l">
+            <a:pPr indent="-292100" lvl="0" marL="457200" rtl="0" algn="l">
               <a:lnSpc>
                 <a:spcPct val="115000"/>
               </a:lnSpc>
@@ -27107,12 +27107,12 @@
               <a:spcAft>
                 <a:spcPts val="0"/>
               </a:spcAft>
-              <a:buSzPts val="900"/>
+              <a:buSzPts val="1000"/>
               <a:buFont typeface="Georgia"/>
               <a:buChar char="●"/>
             </a:pPr>
             <a:r>
-              <a:rPr lang="en" sz="900">
+              <a:rPr lang="en" sz="1000">
                 <a:latin typeface="Georgia"/>
                 <a:ea typeface="Georgia"/>
                 <a:cs typeface="Georgia"/>
@@ -27120,7 +27120,7 @@
               </a:rPr>
               <a:t>MOSCOW:</a:t>
             </a:r>
-            <a:endParaRPr sz="900">
+            <a:endParaRPr sz="1000">
               <a:latin typeface="Georgia"/>
               <a:ea typeface="Georgia"/>
               <a:cs typeface="Georgia"/>
@@ -27128,7 +27128,7 @@
             </a:endParaRPr>
           </a:p>
           <a:p>
-            <a:pPr indent="-285750" lvl="1" marL="914400" rtl="0" algn="l">
+            <a:pPr indent="-292100" lvl="1" marL="914400" rtl="0" algn="l">
               <a:lnSpc>
                 <a:spcPct val="115000"/>
               </a:lnSpc>
@@ -27138,12 +27138,12 @@
               <a:spcAft>
                 <a:spcPts val="0"/>
               </a:spcAft>
-              <a:buSzPts val="900"/>
+              <a:buSzPts val="1000"/>
               <a:buFont typeface="Georgia"/>
               <a:buChar char="○"/>
             </a:pPr>
             <a:r>
-              <a:rPr lang="en" sz="900">
+              <a:rPr lang="en" sz="1000">
                 <a:latin typeface="Georgia"/>
                 <a:ea typeface="Georgia"/>
                 <a:cs typeface="Georgia"/>
@@ -27151,7 +27151,7 @@
               </a:rPr>
               <a:t>Must:</a:t>
             </a:r>
-            <a:endParaRPr sz="900">
+            <a:endParaRPr sz="1000">
               <a:latin typeface="Georgia"/>
               <a:ea typeface="Georgia"/>
               <a:cs typeface="Georgia"/>
@@ -27159,7 +27159,7 @@
             </a:endParaRPr>
           </a:p>
           <a:p>
-            <a:pPr indent="-285750" lvl="2" marL="1371600" rtl="0" algn="l">
+            <a:pPr indent="-292100" lvl="2" marL="1371600" rtl="0" algn="l">
               <a:lnSpc>
                 <a:spcPct val="115000"/>
               </a:lnSpc>
@@ -27169,12 +27169,12 @@
               <a:spcAft>
                 <a:spcPts val="0"/>
               </a:spcAft>
-              <a:buSzPts val="900"/>
+              <a:buSzPts val="1000"/>
               <a:buFont typeface="Georgia"/>
               <a:buChar char="■"/>
             </a:pPr>
             <a:r>
-              <a:rPr lang="en" sz="900">
+              <a:rPr lang="en" sz="1000">
                 <a:latin typeface="Georgia"/>
                 <a:ea typeface="Georgia"/>
                 <a:cs typeface="Georgia"/>
@@ -27182,7 +27182,7 @@
               </a:rPr>
               <a:t>Way to identify user, as well as who currently has what.</a:t>
             </a:r>
-            <a:endParaRPr sz="900">
+            <a:endParaRPr sz="1000">
               <a:latin typeface="Georgia"/>
               <a:ea typeface="Georgia"/>
               <a:cs typeface="Georgia"/>
@@ -27190,7 +27190,7 @@
             </a:endParaRPr>
           </a:p>
           <a:p>
-            <a:pPr indent="-285750" lvl="2" marL="1371600" rtl="0" algn="l">
+            <a:pPr indent="-292100" lvl="2" marL="1371600" rtl="0" algn="l">
               <a:lnSpc>
                 <a:spcPct val="115000"/>
               </a:lnSpc>
@@ -27200,12 +27200,12 @@
               <a:spcAft>
                 <a:spcPts val="0"/>
               </a:spcAft>
-              <a:buSzPts val="900"/>
+              <a:buSzPts val="1000"/>
               <a:buFont typeface="Georgia"/>
               <a:buChar char="■"/>
             </a:pPr>
             <a:r>
-              <a:rPr lang="en" sz="900">
+              <a:rPr lang="en" sz="1000">
                 <a:latin typeface="Georgia"/>
                 <a:ea typeface="Georgia"/>
                 <a:cs typeface="Georgia"/>
@@ -27213,7 +27213,7 @@
               </a:rPr>
               <a:t>Create a way to keep track of user/tools/checkout system.</a:t>
             </a:r>
-            <a:endParaRPr sz="900">
+            <a:endParaRPr sz="1000">
               <a:latin typeface="Georgia"/>
               <a:ea typeface="Georgia"/>
               <a:cs typeface="Georgia"/>
@@ -27221,7 +27221,7 @@
             </a:endParaRPr>
           </a:p>
           <a:p>
-            <a:pPr indent="-285750" lvl="1" marL="914400" rtl="0" algn="l">
+            <a:pPr indent="-292100" lvl="1" marL="914400" rtl="0" algn="l">
               <a:lnSpc>
                 <a:spcPct val="115000"/>
               </a:lnSpc>
@@ -27231,12 +27231,12 @@
               <a:spcAft>
                 <a:spcPts val="0"/>
               </a:spcAft>
-              <a:buSzPts val="900"/>
+              <a:buSzPts val="1000"/>
               <a:buFont typeface="Georgia"/>
               <a:buChar char="○"/>
             </a:pPr>
             <a:r>
-              <a:rPr lang="en" sz="900">
+              <a:rPr lang="en" sz="1000">
                 <a:latin typeface="Georgia"/>
                 <a:ea typeface="Georgia"/>
                 <a:cs typeface="Georgia"/>
@@ -27244,7 +27244,7 @@
               </a:rPr>
               <a:t>Should:</a:t>
             </a:r>
-            <a:endParaRPr sz="900">
+            <a:endParaRPr sz="1000">
               <a:latin typeface="Georgia"/>
               <a:ea typeface="Georgia"/>
               <a:cs typeface="Georgia"/>
@@ -27252,7 +27252,7 @@
             </a:endParaRPr>
           </a:p>
           <a:p>
-            <a:pPr indent="-285750" lvl="2" marL="1371600" rtl="0" algn="l">
+            <a:pPr indent="-292100" lvl="2" marL="1371600" rtl="0" algn="l">
               <a:lnSpc>
                 <a:spcPct val="115000"/>
               </a:lnSpc>
@@ -27262,12 +27262,12 @@
               <a:spcAft>
                 <a:spcPts val="0"/>
               </a:spcAft>
-              <a:buSzPts val="900"/>
+              <a:buSzPts val="1000"/>
               <a:buFont typeface="Georgia"/>
               <a:buChar char="■"/>
             </a:pPr>
             <a:r>
-              <a:rPr lang="en" sz="900">
+              <a:rPr lang="en" sz="1000">
                 <a:latin typeface="Georgia"/>
                 <a:ea typeface="Georgia"/>
                 <a:cs typeface="Georgia"/>
@@ -27275,7 +27275,7 @@
               </a:rPr>
               <a:t>Keep track of number of times items have been requested/checked out.</a:t>
             </a:r>
-            <a:endParaRPr sz="900">
+            <a:endParaRPr sz="1000">
               <a:latin typeface="Georgia"/>
               <a:ea typeface="Georgia"/>
               <a:cs typeface="Georgia"/>
@@ -27283,7 +27283,7 @@
             </a:endParaRPr>
           </a:p>
           <a:p>
-            <a:pPr indent="-285750" lvl="1" marL="914400" rtl="0" algn="l">
+            <a:pPr indent="-292100" lvl="1" marL="914400" rtl="0" algn="l">
               <a:lnSpc>
                 <a:spcPct val="115000"/>
               </a:lnSpc>
@@ -27293,12 +27293,12 @@
               <a:spcAft>
                 <a:spcPts val="0"/>
               </a:spcAft>
-              <a:buSzPts val="900"/>
+              <a:buSzPts val="1000"/>
               <a:buFont typeface="Georgia"/>
               <a:buChar char="○"/>
             </a:pPr>
             <a:r>
-              <a:rPr lang="en" sz="900">
+              <a:rPr lang="en" sz="1000">
                 <a:latin typeface="Georgia"/>
                 <a:ea typeface="Georgia"/>
                 <a:cs typeface="Georgia"/>
@@ -27306,7 +27306,7 @@
               </a:rPr>
               <a:t>Could:</a:t>
             </a:r>
-            <a:endParaRPr sz="900">
+            <a:endParaRPr sz="1000">
               <a:latin typeface="Georgia"/>
               <a:ea typeface="Georgia"/>
               <a:cs typeface="Georgia"/>
@@ -27314,7 +27314,7 @@
             </a:endParaRPr>
           </a:p>
           <a:p>
-            <a:pPr indent="-285750" lvl="2" marL="1371600" rtl="0" algn="l">
+            <a:pPr indent="-292100" lvl="2" marL="1371600" rtl="0" algn="l">
               <a:lnSpc>
                 <a:spcPct val="115000"/>
               </a:lnSpc>
@@ -27324,12 +27324,12 @@
               <a:spcAft>
                 <a:spcPts val="0"/>
               </a:spcAft>
-              <a:buSzPts val="900"/>
+              <a:buSzPts val="1000"/>
               <a:buFont typeface="Georgia"/>
               <a:buChar char="■"/>
             </a:pPr>
             <a:r>
-              <a:rPr lang="en" sz="900">
+              <a:rPr lang="en" sz="1000">
                 <a:latin typeface="Georgia"/>
                 <a:ea typeface="Georgia"/>
                 <a:cs typeface="Georgia"/>
@@ -27337,7 +27337,7 @@
               </a:rPr>
               <a:t>Keep track of where all the tools are.</a:t>
             </a:r>
-            <a:endParaRPr sz="900">
+            <a:endParaRPr sz="1000">
               <a:latin typeface="Georgia"/>
               <a:ea typeface="Georgia"/>
               <a:cs typeface="Georgia"/>
@@ -27345,7 +27345,7 @@
             </a:endParaRPr>
           </a:p>
           <a:p>
-            <a:pPr indent="-285750" lvl="2" marL="1371600" rtl="0" algn="l">
+            <a:pPr indent="-292100" lvl="2" marL="1371600" rtl="0" algn="l">
               <a:lnSpc>
                 <a:spcPct val="115000"/>
               </a:lnSpc>
@@ -27355,12 +27355,12 @@
               <a:spcAft>
                 <a:spcPts val="0"/>
               </a:spcAft>
-              <a:buSzPts val="900"/>
+              <a:buSzPts val="1000"/>
               <a:buFont typeface="Georgia"/>
               <a:buChar char="■"/>
             </a:pPr>
             <a:r>
-              <a:rPr lang="en" sz="900">
+              <a:rPr lang="en" sz="1000">
                 <a:latin typeface="Georgia"/>
                 <a:ea typeface="Georgia"/>
                 <a:cs typeface="Georgia"/>
@@ -27368,7 +27368,7 @@
               </a:rPr>
               <a:t>Way to audit a tool (see /when/who it has been checked out by).</a:t>
             </a:r>
-            <a:endParaRPr sz="900">
+            <a:endParaRPr sz="1000">
               <a:latin typeface="Georgia"/>
               <a:ea typeface="Georgia"/>
               <a:cs typeface="Georgia"/>
@@ -27396,7 +27396,7 @@
             <a:r>
               <a:t/>
             </a:r>
-            <a:endParaRPr sz="900">
+            <a:endParaRPr sz="1000">
               <a:latin typeface="Georgia"/>
               <a:ea typeface="Georgia"/>
               <a:cs typeface="Georgia"/>
@@ -27421,7 +27421,7 @@
             <a:r>
               <a:t/>
             </a:r>
-            <a:endParaRPr sz="1400">
+            <a:endParaRPr sz="1000">
               <a:latin typeface="Georgia"/>
               <a:ea typeface="Georgia"/>
               <a:cs typeface="Georgia"/>
@@ -27441,7 +27441,7 @@
             <a:r>
               <a:t/>
             </a:r>
-            <a:endParaRPr sz="900">
+            <a:endParaRPr sz="1000">
               <a:latin typeface="Georgia"/>
               <a:ea typeface="Georgia"/>
               <a:cs typeface="Georgia"/>
@@ -27638,7 +27638,7 @@
             </a:pPr>
             <a:r>
               <a:rPr lang="en" sz="1100"/>
-              <a:t>Dans Tool Shop</a:t>
+              <a:t>Dan’s Tool Shop</a:t>
             </a:r>
             <a:endParaRPr sz="1100"/>
           </a:p>
@@ -27848,7 +27848,7 @@
             </a:pPr>
             <a:r>
               <a:rPr lang="en" sz="1100"/>
-              <a:t>Dans Tool Shop</a:t>
+              <a:t>Dan’s Tool Shop</a:t>
             </a:r>
             <a:endParaRPr sz="1100"/>
           </a:p>
@@ -28671,7 +28671,7 @@
             </a:pPr>
             <a:r>
               <a:rPr lang="en" sz="1100"/>
-              <a:t>Dans Tool Shop</a:t>
+              <a:t>Dan’s Tool Shop</a:t>
             </a:r>
             <a:endParaRPr sz="1100"/>
           </a:p>
@@ -28755,7 +28755,7 @@
                 <a:cs typeface="Georgia"/>
                 <a:sym typeface="Georgia"/>
               </a:rPr>
-              <a:t>Ensure the tool was updated correctly with the name of the user that checked it out</a:t>
+              <a:t>Ensure the tool was updated correctly with the name of the user that checked it out.</a:t>
             </a:r>
             <a:endParaRPr sz="1800">
               <a:latin typeface="Georgia"/>
@@ -28783,7 +28783,7 @@
                 <a:cs typeface="Georgia"/>
                 <a:sym typeface="Georgia"/>
               </a:rPr>
-              <a:t>Ensure that the number of times the tool was checked out was incremented</a:t>
+              <a:t>Ensure that the number of times the tool was checked out was incremented.</a:t>
             </a:r>
             <a:endParaRPr sz="1800">
               <a:latin typeface="Georgia"/>
@@ -28811,7 +28811,7 @@
                 <a:cs typeface="Georgia"/>
                 <a:sym typeface="Georgia"/>
               </a:rPr>
-              <a:t>Ensure that each account view displays the tools checked out by that account</a:t>
+              <a:t>Ensure that each account view displays the tools checked out by that account.</a:t>
             </a:r>
             <a:endParaRPr sz="1800">
               <a:latin typeface="Georgia"/>
@@ -28998,7 +28998,7 @@
             </a:pPr>
             <a:r>
               <a:rPr lang="en" sz="1100"/>
-              <a:t>Dans Tool Shop</a:t>
+              <a:t>Dan’s Tool Shop</a:t>
             </a:r>
             <a:endParaRPr sz="1100"/>
           </a:p>
@@ -29051,7 +29051,7 @@
               <a:buNone/>
             </a:pPr>
             <a:r>
-              <a:rPr lang="en" sz="900">
+              <a:rPr lang="en" sz="1000">
                 <a:latin typeface="Georgia"/>
                 <a:ea typeface="Georgia"/>
                 <a:cs typeface="Georgia"/>
@@ -29060,7 +29060,7 @@
               <a:t>Similar to the Tools Tracking requirements; the customer had a very clear picture of what features and functionality their tool reserving process would include. </a:t>
             </a:r>
             <a:r>
-              <a:rPr lang="en" sz="900">
+              <a:rPr lang="en" sz="1000">
                 <a:latin typeface="Georgia"/>
                 <a:ea typeface="Georgia"/>
                 <a:cs typeface="Georgia"/>
@@ -29068,7 +29068,7 @@
               </a:rPr>
               <a:t>We’ve these different requirements into their respective FURPS, audience oriented, and MOSCOW categories:</a:t>
             </a:r>
-            <a:endParaRPr sz="900">
+            <a:endParaRPr sz="1000">
               <a:latin typeface="Georgia"/>
               <a:ea typeface="Georgia"/>
               <a:cs typeface="Georgia"/>
@@ -29076,19 +29076,19 @@
             </a:endParaRPr>
           </a:p>
           <a:p>
-            <a:pPr indent="-285750" lvl="0" marL="457200" rtl="0" algn="l">
+            <a:pPr indent="-292100" lvl="0" marL="457200" rtl="0" algn="l">
               <a:spcBef>
                 <a:spcPts val="800"/>
               </a:spcBef>
               <a:spcAft>
                 <a:spcPts val="0"/>
               </a:spcAft>
-              <a:buSzPts val="900"/>
+              <a:buSzPts val="1000"/>
               <a:buFont typeface="Georgia"/>
               <a:buChar char="●"/>
             </a:pPr>
             <a:r>
-              <a:rPr lang="en" sz="900">
+              <a:rPr lang="en" sz="1000">
                 <a:latin typeface="Georgia"/>
                 <a:ea typeface="Georgia"/>
                 <a:cs typeface="Georgia"/>
@@ -29096,7 +29096,7 @@
               </a:rPr>
               <a:t>FURPS:</a:t>
             </a:r>
-            <a:endParaRPr sz="900">
+            <a:endParaRPr sz="1000">
               <a:latin typeface="Georgia"/>
               <a:ea typeface="Georgia"/>
               <a:cs typeface="Georgia"/>
@@ -29104,19 +29104,19 @@
             </a:endParaRPr>
           </a:p>
           <a:p>
-            <a:pPr indent="-285750" lvl="1" marL="914400" rtl="0" algn="l">
-              <a:spcBef>
-                <a:spcPts val="0"/>
-              </a:spcBef>
-              <a:spcAft>
-                <a:spcPts val="0"/>
-              </a:spcAft>
-              <a:buSzPts val="900"/>
+            <a:pPr indent="-292100" lvl="1" marL="914400" rtl="0" algn="l">
+              <a:spcBef>
+                <a:spcPts val="0"/>
+              </a:spcBef>
+              <a:spcAft>
+                <a:spcPts val="0"/>
+              </a:spcAft>
+              <a:buSzPts val="1000"/>
               <a:buFont typeface="Georgia"/>
               <a:buChar char="○"/>
             </a:pPr>
             <a:r>
-              <a:rPr lang="en" sz="900">
+              <a:rPr lang="en" sz="1000">
                 <a:latin typeface="Georgia"/>
                 <a:ea typeface="Georgia"/>
                 <a:cs typeface="Georgia"/>
@@ -29124,7 +29124,7 @@
               </a:rPr>
               <a:t>Functionality:</a:t>
             </a:r>
-            <a:endParaRPr sz="900">
+            <a:endParaRPr sz="1000">
               <a:latin typeface="Georgia"/>
               <a:ea typeface="Georgia"/>
               <a:cs typeface="Georgia"/>
@@ -29132,19 +29132,19 @@
             </a:endParaRPr>
           </a:p>
           <a:p>
-            <a:pPr indent="-285750" lvl="2" marL="1371600" rtl="0" algn="l">
-              <a:spcBef>
-                <a:spcPts val="0"/>
-              </a:spcBef>
-              <a:spcAft>
-                <a:spcPts val="0"/>
-              </a:spcAft>
-              <a:buSzPts val="900"/>
+            <a:pPr indent="-292100" lvl="2" marL="1371600" rtl="0" algn="l">
+              <a:spcBef>
+                <a:spcPts val="0"/>
+              </a:spcBef>
+              <a:spcAft>
+                <a:spcPts val="0"/>
+              </a:spcAft>
+              <a:buSzPts val="1000"/>
               <a:buFont typeface="Georgia"/>
               <a:buChar char="■"/>
             </a:pPr>
             <a:r>
-              <a:rPr lang="en" sz="900">
+              <a:rPr lang="en" sz="1000">
                 <a:latin typeface="Georgia"/>
                 <a:ea typeface="Georgia"/>
                 <a:cs typeface="Georgia"/>
@@ -29152,7 +29152,7 @@
               </a:rPr>
               <a:t>Way to keep track of requests for tools that are broken/requested but not available.</a:t>
             </a:r>
-            <a:endParaRPr sz="900">
+            <a:endParaRPr sz="1000">
               <a:latin typeface="Georgia"/>
               <a:ea typeface="Georgia"/>
               <a:cs typeface="Georgia"/>
@@ -29160,19 +29160,19 @@
             </a:endParaRPr>
           </a:p>
           <a:p>
-            <a:pPr indent="-285750" lvl="2" marL="1371600" rtl="0" algn="l">
-              <a:spcBef>
-                <a:spcPts val="0"/>
-              </a:spcBef>
-              <a:spcAft>
-                <a:spcPts val="0"/>
-              </a:spcAft>
-              <a:buSzPts val="900"/>
+            <a:pPr indent="-292100" lvl="2" marL="1371600" rtl="0" algn="l">
+              <a:spcBef>
+                <a:spcPts val="0"/>
+              </a:spcBef>
+              <a:spcAft>
+                <a:spcPts val="0"/>
+              </a:spcAft>
+              <a:buSzPts val="1000"/>
               <a:buFont typeface="Georgia"/>
               <a:buChar char="■"/>
             </a:pPr>
             <a:r>
-              <a:rPr lang="en" sz="900">
+              <a:rPr lang="en" sz="1000">
                 <a:latin typeface="Georgia"/>
                 <a:ea typeface="Georgia"/>
                 <a:cs typeface="Georgia"/>
@@ -29180,7 +29180,7 @@
               </a:rPr>
               <a:t>List of tools and tool sets (by category)</a:t>
             </a:r>
-            <a:endParaRPr sz="900">
+            <a:endParaRPr sz="1000">
               <a:latin typeface="Georgia"/>
               <a:ea typeface="Georgia"/>
               <a:cs typeface="Georgia"/>
@@ -29188,19 +29188,19 @@
             </a:endParaRPr>
           </a:p>
           <a:p>
-            <a:pPr indent="-285750" lvl="2" marL="1371600" rtl="0" algn="l">
-              <a:spcBef>
-                <a:spcPts val="0"/>
-              </a:spcBef>
-              <a:spcAft>
-                <a:spcPts val="0"/>
-              </a:spcAft>
-              <a:buSzPts val="900"/>
+            <a:pPr indent="-292100" lvl="2" marL="1371600" rtl="0" algn="l">
+              <a:spcBef>
+                <a:spcPts val="0"/>
+              </a:spcBef>
+              <a:spcAft>
+                <a:spcPts val="0"/>
+              </a:spcAft>
+              <a:buSzPts val="1000"/>
               <a:buFont typeface="Georgia"/>
               <a:buChar char="■"/>
             </a:pPr>
             <a:r>
-              <a:rPr lang="en" sz="900">
+              <a:rPr lang="en" sz="1000">
                 <a:latin typeface="Georgia"/>
                 <a:ea typeface="Georgia"/>
                 <a:cs typeface="Georgia"/>
@@ -29208,7 +29208,7 @@
               </a:rPr>
               <a:t>Way for customers to request either online or in-person.</a:t>
             </a:r>
-            <a:endParaRPr sz="900">
+            <a:endParaRPr sz="1000">
               <a:latin typeface="Georgia"/>
               <a:ea typeface="Georgia"/>
               <a:cs typeface="Georgia"/>
@@ -29216,19 +29216,19 @@
             </a:endParaRPr>
           </a:p>
           <a:p>
-            <a:pPr indent="-285750" lvl="2" marL="1371600" rtl="0" algn="l">
-              <a:spcBef>
-                <a:spcPts val="0"/>
-              </a:spcBef>
-              <a:spcAft>
-                <a:spcPts val="0"/>
-              </a:spcAft>
-              <a:buSzPts val="900"/>
+            <a:pPr indent="-292100" lvl="2" marL="1371600" rtl="0" algn="l">
+              <a:spcBef>
+                <a:spcPts val="0"/>
+              </a:spcBef>
+              <a:spcAft>
+                <a:spcPts val="0"/>
+              </a:spcAft>
+              <a:buSzPts val="1000"/>
               <a:buFont typeface="Georgia"/>
               <a:buChar char="■"/>
             </a:pPr>
             <a:r>
-              <a:rPr lang="en" sz="900">
+              <a:rPr lang="en" sz="1000">
                 <a:latin typeface="Georgia"/>
                 <a:ea typeface="Georgia"/>
                 <a:cs typeface="Georgia"/>
@@ -29236,7 +29236,7 @@
               </a:rPr>
               <a:t>Keep track of number of times items have been requested/checked out.</a:t>
             </a:r>
-            <a:endParaRPr sz="900">
+            <a:endParaRPr sz="1000">
               <a:latin typeface="Georgia"/>
               <a:ea typeface="Georgia"/>
               <a:cs typeface="Georgia"/>
@@ -29244,19 +29244,19 @@
             </a:endParaRPr>
           </a:p>
           <a:p>
-            <a:pPr indent="-285750" lvl="1" marL="914400" rtl="0" algn="l">
-              <a:spcBef>
-                <a:spcPts val="0"/>
-              </a:spcBef>
-              <a:spcAft>
-                <a:spcPts val="0"/>
-              </a:spcAft>
-              <a:buSzPts val="900"/>
+            <a:pPr indent="-292100" lvl="1" marL="914400" rtl="0" algn="l">
+              <a:spcBef>
+                <a:spcPts val="0"/>
+              </a:spcBef>
+              <a:spcAft>
+                <a:spcPts val="0"/>
+              </a:spcAft>
+              <a:buSzPts val="1000"/>
               <a:buFont typeface="Georgia"/>
               <a:buChar char="○"/>
             </a:pPr>
             <a:r>
-              <a:rPr lang="en" sz="900">
+              <a:rPr lang="en" sz="1000">
                 <a:latin typeface="Georgia"/>
                 <a:ea typeface="Georgia"/>
                 <a:cs typeface="Georgia"/>
@@ -29264,7 +29264,7 @@
               </a:rPr>
               <a:t>Usability:</a:t>
             </a:r>
-            <a:endParaRPr sz="900">
+            <a:endParaRPr sz="1000">
               <a:latin typeface="Georgia"/>
               <a:ea typeface="Georgia"/>
               <a:cs typeface="Georgia"/>
@@ -29272,19 +29272,19 @@
             </a:endParaRPr>
           </a:p>
           <a:p>
-            <a:pPr indent="-285750" lvl="2" marL="1371600" rtl="0" algn="l">
-              <a:spcBef>
-                <a:spcPts val="0"/>
-              </a:spcBef>
-              <a:spcAft>
-                <a:spcPts val="0"/>
-              </a:spcAft>
-              <a:buSzPts val="900"/>
+            <a:pPr indent="-292100" lvl="2" marL="1371600" rtl="0" algn="l">
+              <a:spcBef>
+                <a:spcPts val="0"/>
+              </a:spcBef>
+              <a:spcAft>
+                <a:spcPts val="0"/>
+              </a:spcAft>
+              <a:buSzPts val="1000"/>
               <a:buFont typeface="Georgia"/>
               <a:buChar char="■"/>
             </a:pPr>
             <a:r>
-              <a:rPr lang="en" sz="900">
+              <a:rPr lang="en" sz="1000">
                 <a:latin typeface="Georgia"/>
                 <a:ea typeface="Georgia"/>
                 <a:cs typeface="Georgia"/>
@@ -29292,7 +29292,7 @@
               </a:rPr>
               <a:t>Way for customers to reserve tool sets.</a:t>
             </a:r>
-            <a:endParaRPr sz="900">
+            <a:endParaRPr sz="1000">
               <a:latin typeface="Georgia"/>
               <a:ea typeface="Georgia"/>
               <a:cs typeface="Georgia"/>
@@ -29300,19 +29300,19 @@
             </a:endParaRPr>
           </a:p>
           <a:p>
-            <a:pPr indent="-285750" lvl="2" marL="1371600" rtl="0" algn="l">
-              <a:spcBef>
-                <a:spcPts val="0"/>
-              </a:spcBef>
-              <a:spcAft>
-                <a:spcPts val="0"/>
-              </a:spcAft>
-              <a:buSzPts val="900"/>
+            <a:pPr indent="-292100" lvl="2" marL="1371600" rtl="0" algn="l">
+              <a:spcBef>
+                <a:spcPts val="0"/>
+              </a:spcBef>
+              <a:spcAft>
+                <a:spcPts val="0"/>
+              </a:spcAft>
+              <a:buSzPts val="1000"/>
               <a:buFont typeface="Georgia"/>
               <a:buChar char="■"/>
             </a:pPr>
             <a:r>
-              <a:rPr lang="en" sz="900">
+              <a:rPr lang="en" sz="1000">
                 <a:latin typeface="Georgia"/>
                 <a:ea typeface="Georgia"/>
                 <a:cs typeface="Georgia"/>
@@ -29320,7 +29320,7 @@
               </a:rPr>
               <a:t>Customers should only be able to check out tools for a week at a time.</a:t>
             </a:r>
-            <a:endParaRPr sz="900">
+            <a:endParaRPr sz="1000">
               <a:latin typeface="Georgia"/>
               <a:ea typeface="Georgia"/>
               <a:cs typeface="Georgia"/>
@@ -29328,19 +29328,19 @@
             </a:endParaRPr>
           </a:p>
           <a:p>
-            <a:pPr indent="-285750" lvl="2" marL="1371600" rtl="0" algn="l">
-              <a:spcBef>
-                <a:spcPts val="0"/>
-              </a:spcBef>
-              <a:spcAft>
-                <a:spcPts val="0"/>
-              </a:spcAft>
-              <a:buSzPts val="900"/>
+            <a:pPr indent="-292100" lvl="2" marL="1371600" rtl="0" algn="l">
+              <a:spcBef>
+                <a:spcPts val="0"/>
+              </a:spcBef>
+              <a:spcAft>
+                <a:spcPts val="0"/>
+              </a:spcAft>
+              <a:buSzPts val="1000"/>
               <a:buFont typeface="Georgia"/>
               <a:buChar char="■"/>
             </a:pPr>
             <a:r>
-              <a:rPr lang="en" sz="900">
+              <a:rPr lang="en" sz="1000">
                 <a:latin typeface="Georgia"/>
                 <a:ea typeface="Georgia"/>
                 <a:cs typeface="Georgia"/>
@@ -29348,7 +29348,7 @@
               </a:rPr>
               <a:t>Way for customers to request either online or in-person.</a:t>
             </a:r>
-            <a:endParaRPr sz="900">
+            <a:endParaRPr sz="1000">
               <a:latin typeface="Georgia"/>
               <a:ea typeface="Georgia"/>
               <a:cs typeface="Georgia"/>
@@ -29356,7 +29356,7 @@
             </a:endParaRPr>
           </a:p>
           <a:p>
-            <a:pPr indent="-285750" lvl="0" marL="457200" rtl="0" algn="l">
+            <a:pPr indent="-292100" lvl="0" marL="457200" rtl="0" algn="l">
               <a:lnSpc>
                 <a:spcPct val="115000"/>
               </a:lnSpc>
@@ -29366,12 +29366,12 @@
               <a:spcAft>
                 <a:spcPts val="0"/>
               </a:spcAft>
-              <a:buSzPts val="900"/>
+              <a:buSzPts val="1000"/>
               <a:buFont typeface="Georgia"/>
               <a:buChar char="●"/>
             </a:pPr>
             <a:r>
-              <a:rPr lang="en" sz="900">
+              <a:rPr lang="en" sz="1000">
                 <a:latin typeface="Georgia"/>
                 <a:ea typeface="Georgia"/>
                 <a:cs typeface="Georgia"/>
@@ -29379,7 +29379,7 @@
               </a:rPr>
               <a:t>Audience Oriented:</a:t>
             </a:r>
-            <a:endParaRPr sz="900">
+            <a:endParaRPr sz="1000">
               <a:latin typeface="Georgia"/>
               <a:ea typeface="Georgia"/>
               <a:cs typeface="Georgia"/>
@@ -29387,7 +29387,7 @@
             </a:endParaRPr>
           </a:p>
           <a:p>
-            <a:pPr indent="-285750" lvl="1" marL="914400" rtl="0" algn="l">
+            <a:pPr indent="-292100" lvl="1" marL="914400" rtl="0" algn="l">
               <a:lnSpc>
                 <a:spcPct val="115000"/>
               </a:lnSpc>
@@ -29397,12 +29397,12 @@
               <a:spcAft>
                 <a:spcPts val="0"/>
               </a:spcAft>
-              <a:buSzPts val="900"/>
+              <a:buSzPts val="1000"/>
               <a:buFont typeface="Georgia"/>
               <a:buChar char="○"/>
             </a:pPr>
             <a:r>
-              <a:rPr lang="en" sz="900">
+              <a:rPr lang="en" sz="1000">
                 <a:latin typeface="Georgia"/>
                 <a:ea typeface="Georgia"/>
                 <a:cs typeface="Georgia"/>
@@ -29410,7 +29410,7 @@
               </a:rPr>
               <a:t>Business:</a:t>
             </a:r>
-            <a:endParaRPr sz="900">
+            <a:endParaRPr sz="1000">
               <a:latin typeface="Georgia"/>
               <a:ea typeface="Georgia"/>
               <a:cs typeface="Georgia"/>
@@ -29418,7 +29418,7 @@
             </a:endParaRPr>
           </a:p>
           <a:p>
-            <a:pPr indent="-285750" lvl="2" marL="1371600" rtl="0" algn="l">
+            <a:pPr indent="-292100" lvl="2" marL="1371600" rtl="0" algn="l">
               <a:lnSpc>
                 <a:spcPct val="115000"/>
               </a:lnSpc>
@@ -29428,12 +29428,12 @@
               <a:spcAft>
                 <a:spcPts val="0"/>
               </a:spcAft>
-              <a:buSzPts val="900"/>
+              <a:buSzPts val="1000"/>
               <a:buFont typeface="Georgia"/>
               <a:buChar char="■"/>
             </a:pPr>
             <a:r>
-              <a:rPr lang="en" sz="900">
+              <a:rPr lang="en" sz="1000">
                 <a:latin typeface="Georgia"/>
                 <a:ea typeface="Georgia"/>
                 <a:cs typeface="Georgia"/>
@@ -29441,7 +29441,7 @@
               </a:rPr>
               <a:t>Keep track of number of times items have been requested/checked out</a:t>
             </a:r>
-            <a:endParaRPr sz="900">
+            <a:endParaRPr sz="1000">
               <a:latin typeface="Georgia"/>
               <a:ea typeface="Georgia"/>
               <a:cs typeface="Georgia"/>
@@ -29449,7 +29449,7 @@
             </a:endParaRPr>
           </a:p>
           <a:p>
-            <a:pPr indent="-285750" lvl="2" marL="1371600" rtl="0" algn="l">
+            <a:pPr indent="-292100" lvl="2" marL="1371600" rtl="0" algn="l">
               <a:lnSpc>
                 <a:spcPct val="115000"/>
               </a:lnSpc>
@@ -29459,12 +29459,12 @@
               <a:spcAft>
                 <a:spcPts val="0"/>
               </a:spcAft>
-              <a:buSzPts val="900"/>
+              <a:buSzPts val="1000"/>
               <a:buFont typeface="Georgia"/>
               <a:buChar char="■"/>
             </a:pPr>
             <a:r>
-              <a:rPr lang="en" sz="900">
+              <a:rPr lang="en" sz="1000">
                 <a:latin typeface="Georgia"/>
                 <a:ea typeface="Georgia"/>
                 <a:cs typeface="Georgia"/>
@@ -29472,7 +29472,7 @@
               </a:rPr>
               <a:t>List of customers with checked out tool sets.</a:t>
             </a:r>
-            <a:endParaRPr sz="900">
+            <a:endParaRPr sz="1000">
               <a:latin typeface="Georgia"/>
               <a:ea typeface="Georgia"/>
               <a:cs typeface="Georgia"/>
@@ -29480,7 +29480,7 @@
             </a:endParaRPr>
           </a:p>
           <a:p>
-            <a:pPr indent="-285750" lvl="2" marL="1371600" rtl="0" algn="l">
+            <a:pPr indent="-292100" lvl="2" marL="1371600" rtl="0" algn="l">
               <a:lnSpc>
                 <a:spcPct val="115000"/>
               </a:lnSpc>
@@ -29490,12 +29490,12 @@
               <a:spcAft>
                 <a:spcPts val="0"/>
               </a:spcAft>
-              <a:buSzPts val="900"/>
+              <a:buSzPts val="1000"/>
               <a:buFont typeface="Georgia"/>
               <a:buChar char="■"/>
             </a:pPr>
             <a:r>
-              <a:rPr lang="en" sz="900">
+              <a:rPr lang="en" sz="1000">
                 <a:latin typeface="Georgia"/>
                 <a:ea typeface="Georgia"/>
                 <a:cs typeface="Georgia"/>
@@ -29503,7 +29503,7 @@
               </a:rPr>
               <a:t>Way to keep track of requests for tools that are broken/requested by not available.</a:t>
             </a:r>
-            <a:endParaRPr sz="1400">
+            <a:endParaRPr sz="1000">
               <a:latin typeface="Georgia"/>
               <a:ea typeface="Georgia"/>
               <a:cs typeface="Georgia"/>
@@ -29696,7 +29696,7 @@
             </a:pPr>
             <a:r>
               <a:rPr lang="en" sz="1100"/>
-              <a:t>Dans Tool Shop</a:t>
+              <a:t>Dan’s Tool Shop</a:t>
             </a:r>
             <a:endParaRPr sz="1100"/>
           </a:p>
@@ -29736,7 +29736,7 @@
           </a:bodyPr>
           <a:lstStyle/>
           <a:p>
-            <a:pPr indent="-285750" lvl="0" marL="457200" rtl="0" algn="l">
+            <a:pPr indent="-292100" lvl="0" marL="457200" rtl="0" algn="l">
               <a:lnSpc>
                 <a:spcPct val="115000"/>
               </a:lnSpc>
@@ -29746,12 +29746,12 @@
               <a:spcAft>
                 <a:spcPts val="0"/>
               </a:spcAft>
-              <a:buSzPts val="900"/>
+              <a:buSzPts val="1000"/>
               <a:buFont typeface="Georgia"/>
               <a:buChar char="●"/>
             </a:pPr>
             <a:r>
-              <a:rPr lang="en" sz="900">
+              <a:rPr lang="en" sz="1000">
                 <a:latin typeface="Georgia"/>
                 <a:ea typeface="Georgia"/>
                 <a:cs typeface="Georgia"/>
@@ -29759,7 +29759,7 @@
               </a:rPr>
               <a:t>Audience Oriented (continued):</a:t>
             </a:r>
-            <a:endParaRPr sz="900">
+            <a:endParaRPr sz="1000">
               <a:latin typeface="Georgia"/>
               <a:ea typeface="Georgia"/>
               <a:cs typeface="Georgia"/>
@@ -29767,7 +29767,7 @@
             </a:endParaRPr>
           </a:p>
           <a:p>
-            <a:pPr indent="-285750" lvl="1" marL="914400" rtl="0" algn="l">
+            <a:pPr indent="-292100" lvl="1" marL="914400" rtl="0" algn="l">
               <a:lnSpc>
                 <a:spcPct val="115000"/>
               </a:lnSpc>
@@ -29777,12 +29777,12 @@
               <a:spcAft>
                 <a:spcPts val="0"/>
               </a:spcAft>
-              <a:buSzPts val="900"/>
+              <a:buSzPts val="1000"/>
               <a:buFont typeface="Georgia"/>
               <a:buChar char="○"/>
             </a:pPr>
             <a:r>
-              <a:rPr lang="en" sz="900">
+              <a:rPr lang="en" sz="1000">
                 <a:latin typeface="Georgia"/>
                 <a:ea typeface="Georgia"/>
                 <a:cs typeface="Georgia"/>
@@ -29790,7 +29790,7 @@
               </a:rPr>
               <a:t>User:</a:t>
             </a:r>
-            <a:endParaRPr sz="900">
+            <a:endParaRPr sz="1000">
               <a:latin typeface="Georgia"/>
               <a:ea typeface="Georgia"/>
               <a:cs typeface="Georgia"/>
@@ -29798,19 +29798,19 @@
             </a:endParaRPr>
           </a:p>
           <a:p>
-            <a:pPr indent="-285750" lvl="2" marL="1371600" rtl="0" algn="l">
-              <a:spcBef>
-                <a:spcPts val="0"/>
-              </a:spcBef>
-              <a:spcAft>
-                <a:spcPts val="0"/>
-              </a:spcAft>
-              <a:buSzPts val="900"/>
+            <a:pPr indent="-292100" lvl="2" marL="1371600" rtl="0" algn="l">
+              <a:spcBef>
+                <a:spcPts val="0"/>
+              </a:spcBef>
+              <a:spcAft>
+                <a:spcPts val="0"/>
+              </a:spcAft>
+              <a:buSzPts val="1000"/>
               <a:buFont typeface="Georgia"/>
               <a:buChar char="■"/>
             </a:pPr>
             <a:r>
-              <a:rPr lang="en" sz="900">
+              <a:rPr lang="en" sz="1000">
                 <a:latin typeface="Georgia"/>
                 <a:ea typeface="Georgia"/>
                 <a:cs typeface="Georgia"/>
@@ -29818,7 +29818,7 @@
               </a:rPr>
               <a:t>Way for customers to reserve tool sets.</a:t>
             </a:r>
-            <a:endParaRPr sz="900">
+            <a:endParaRPr sz="1000">
               <a:latin typeface="Georgia"/>
               <a:ea typeface="Georgia"/>
               <a:cs typeface="Georgia"/>
@@ -29826,7 +29826,7 @@
             </a:endParaRPr>
           </a:p>
           <a:p>
-            <a:pPr indent="-285750" lvl="2" marL="1371600" rtl="0" algn="l">
+            <a:pPr indent="-292100" lvl="2" marL="1371600" rtl="0" algn="l">
               <a:lnSpc>
                 <a:spcPct val="115000"/>
               </a:lnSpc>
@@ -29836,12 +29836,12 @@
               <a:spcAft>
                 <a:spcPts val="0"/>
               </a:spcAft>
-              <a:buSzPts val="900"/>
+              <a:buSzPts val="1000"/>
               <a:buFont typeface="Georgia"/>
               <a:buChar char="■"/>
             </a:pPr>
             <a:r>
-              <a:rPr lang="en" sz="900">
+              <a:rPr lang="en" sz="1000">
                 <a:latin typeface="Georgia"/>
                 <a:ea typeface="Georgia"/>
                 <a:cs typeface="Georgia"/>
@@ -29849,7 +29849,7 @@
               </a:rPr>
               <a:t>Way for customers to request either online or in-person.</a:t>
             </a:r>
-            <a:endParaRPr sz="900">
+            <a:endParaRPr sz="1000">
               <a:latin typeface="Georgia"/>
               <a:ea typeface="Georgia"/>
               <a:cs typeface="Georgia"/>
@@ -29857,7 +29857,7 @@
             </a:endParaRPr>
           </a:p>
           <a:p>
-            <a:pPr indent="-285750" lvl="2" marL="1371600" rtl="0" algn="l">
+            <a:pPr indent="-292100" lvl="2" marL="1371600" rtl="0" algn="l">
               <a:lnSpc>
                 <a:spcPct val="115000"/>
               </a:lnSpc>
@@ -29867,12 +29867,12 @@
               <a:spcAft>
                 <a:spcPts val="0"/>
               </a:spcAft>
-              <a:buSzPts val="900"/>
+              <a:buSzPts val="1000"/>
               <a:buFont typeface="Georgia"/>
               <a:buChar char="■"/>
             </a:pPr>
             <a:r>
-              <a:rPr lang="en" sz="900">
+              <a:rPr lang="en" sz="1000">
                 <a:latin typeface="Georgia"/>
                 <a:ea typeface="Georgia"/>
                 <a:cs typeface="Georgia"/>
@@ -29880,7 +29880,7 @@
               </a:rPr>
               <a:t>A modal that alerts the user that their submission has been accepted.</a:t>
             </a:r>
-            <a:endParaRPr sz="900">
+            <a:endParaRPr sz="1000">
               <a:latin typeface="Georgia"/>
               <a:ea typeface="Georgia"/>
               <a:cs typeface="Georgia"/>
@@ -29888,7 +29888,7 @@
             </a:endParaRPr>
           </a:p>
           <a:p>
-            <a:pPr indent="-285750" lvl="3" marL="1828800" rtl="0" algn="l">
+            <a:pPr indent="-292100" lvl="3" marL="1828800" rtl="0" algn="l">
               <a:lnSpc>
                 <a:spcPct val="115000"/>
               </a:lnSpc>
@@ -29898,12 +29898,12 @@
               <a:spcAft>
                 <a:spcPts val="0"/>
               </a:spcAft>
-              <a:buSzPts val="900"/>
+              <a:buSzPts val="1000"/>
               <a:buFont typeface="Georgia"/>
               <a:buChar char="●"/>
             </a:pPr>
             <a:r>
-              <a:rPr lang="en" sz="900">
+              <a:rPr lang="en" sz="1000">
                 <a:latin typeface="Georgia"/>
                 <a:ea typeface="Georgia"/>
                 <a:cs typeface="Georgia"/>
@@ -29911,7 +29911,7 @@
               </a:rPr>
               <a:t>This is one of the few requirements that was updated after the second milestone. </a:t>
             </a:r>
-            <a:endParaRPr sz="900">
+            <a:endParaRPr sz="1000">
               <a:latin typeface="Georgia"/>
               <a:ea typeface="Georgia"/>
               <a:cs typeface="Georgia"/>
@@ -29919,7 +29919,7 @@
             </a:endParaRPr>
           </a:p>
           <a:p>
-            <a:pPr indent="-285750" lvl="1" marL="914400" rtl="0" algn="l">
+            <a:pPr indent="-292100" lvl="1" marL="914400" rtl="0" algn="l">
               <a:lnSpc>
                 <a:spcPct val="115000"/>
               </a:lnSpc>
@@ -29929,12 +29929,12 @@
               <a:spcAft>
                 <a:spcPts val="0"/>
               </a:spcAft>
-              <a:buSzPts val="900"/>
+              <a:buSzPts val="1000"/>
               <a:buFont typeface="Georgia"/>
               <a:buChar char="○"/>
             </a:pPr>
             <a:r>
-              <a:rPr lang="en" sz="900">
+              <a:rPr lang="en" sz="1000">
                 <a:latin typeface="Georgia"/>
                 <a:ea typeface="Georgia"/>
                 <a:cs typeface="Georgia"/>
@@ -29942,7 +29942,7 @@
               </a:rPr>
               <a:t>Functional:</a:t>
             </a:r>
-            <a:endParaRPr sz="900">
+            <a:endParaRPr sz="1000">
               <a:latin typeface="Georgia"/>
               <a:ea typeface="Georgia"/>
               <a:cs typeface="Georgia"/>
@@ -29950,7 +29950,7 @@
             </a:endParaRPr>
           </a:p>
           <a:p>
-            <a:pPr indent="-279400" lvl="2" marL="1371600" rtl="0" algn="l">
+            <a:pPr indent="-292100" lvl="2" marL="1371600" rtl="0" algn="l">
               <a:lnSpc>
                 <a:spcPct val="115000"/>
               </a:lnSpc>
@@ -29960,12 +29960,12 @@
               <a:spcAft>
                 <a:spcPts val="0"/>
               </a:spcAft>
-              <a:buSzPts val="800"/>
+              <a:buSzPts val="1000"/>
               <a:buFont typeface="Georgia"/>
               <a:buChar char="■"/>
             </a:pPr>
             <a:r>
-              <a:rPr lang="en" sz="900">
+              <a:rPr lang="en" sz="1000">
                 <a:latin typeface="Georgia"/>
                 <a:ea typeface="Georgia"/>
                 <a:cs typeface="Georgia"/>
@@ -29973,7 +29973,7 @@
               </a:rPr>
               <a:t>Way to keep track of requests for tools that are broken/requested by not available.</a:t>
             </a:r>
-            <a:endParaRPr sz="900">
+            <a:endParaRPr sz="1000">
               <a:latin typeface="Georgia"/>
               <a:ea typeface="Georgia"/>
               <a:cs typeface="Georgia"/>
@@ -29981,7 +29981,7 @@
             </a:endParaRPr>
           </a:p>
           <a:p>
-            <a:pPr indent="-285750" lvl="2" marL="1371600" rtl="0" algn="l">
+            <a:pPr indent="-292100" lvl="2" marL="1371600" rtl="0" algn="l">
               <a:lnSpc>
                 <a:spcPct val="115000"/>
               </a:lnSpc>
@@ -29991,12 +29991,12 @@
               <a:spcAft>
                 <a:spcPts val="0"/>
               </a:spcAft>
-              <a:buSzPts val="900"/>
+              <a:buSzPts val="1000"/>
               <a:buFont typeface="Georgia"/>
               <a:buChar char="■"/>
             </a:pPr>
             <a:r>
-              <a:rPr lang="en" sz="900">
+              <a:rPr lang="en" sz="1000">
                 <a:latin typeface="Georgia"/>
                 <a:ea typeface="Georgia"/>
                 <a:cs typeface="Georgia"/>
@@ -30004,7 +30004,7 @@
               </a:rPr>
               <a:t>List of tools and tool sets (by category)</a:t>
             </a:r>
-            <a:endParaRPr sz="900">
+            <a:endParaRPr sz="1000">
               <a:latin typeface="Georgia"/>
               <a:ea typeface="Georgia"/>
               <a:cs typeface="Georgia"/>
@@ -30012,7 +30012,7 @@
             </a:endParaRPr>
           </a:p>
           <a:p>
-            <a:pPr indent="-285750" lvl="2" marL="1371600" rtl="0" algn="l">
+            <a:pPr indent="-292100" lvl="2" marL="1371600" rtl="0" algn="l">
               <a:lnSpc>
                 <a:spcPct val="115000"/>
               </a:lnSpc>
@@ -30022,12 +30022,12 @@
               <a:spcAft>
                 <a:spcPts val="0"/>
               </a:spcAft>
-              <a:buSzPts val="900"/>
+              <a:buSzPts val="1000"/>
               <a:buFont typeface="Georgia"/>
               <a:buChar char="■"/>
             </a:pPr>
             <a:r>
-              <a:rPr lang="en" sz="900">
+              <a:rPr lang="en" sz="1000">
                 <a:latin typeface="Georgia"/>
                 <a:ea typeface="Georgia"/>
                 <a:cs typeface="Georgia"/>
@@ -30035,7 +30035,7 @@
               </a:rPr>
               <a:t>Way for customers to request either online or in-person</a:t>
             </a:r>
-            <a:endParaRPr sz="900">
+            <a:endParaRPr sz="1000">
               <a:latin typeface="Georgia"/>
               <a:ea typeface="Georgia"/>
               <a:cs typeface="Georgia"/>
@@ -30043,7 +30043,7 @@
             </a:endParaRPr>
           </a:p>
           <a:p>
-            <a:pPr indent="-285750" lvl="2" marL="1371600" rtl="0" algn="l">
+            <a:pPr indent="-292100" lvl="2" marL="1371600" rtl="0" algn="l">
               <a:lnSpc>
                 <a:spcPct val="115000"/>
               </a:lnSpc>
@@ -30053,12 +30053,12 @@
               <a:spcAft>
                 <a:spcPts val="0"/>
               </a:spcAft>
-              <a:buSzPts val="900"/>
+              <a:buSzPts val="1000"/>
               <a:buFont typeface="Georgia"/>
               <a:buChar char="■"/>
             </a:pPr>
             <a:r>
-              <a:rPr lang="en" sz="900">
+              <a:rPr lang="en" sz="1000">
                 <a:latin typeface="Georgia"/>
                 <a:ea typeface="Georgia"/>
                 <a:cs typeface="Georgia"/>
@@ -30066,7 +30066,7 @@
               </a:rPr>
               <a:t>Keep track of the number of times items have been requested/checked out. </a:t>
             </a:r>
-            <a:endParaRPr sz="900">
+            <a:endParaRPr sz="1000">
               <a:latin typeface="Georgia"/>
               <a:ea typeface="Georgia"/>
               <a:cs typeface="Georgia"/>
@@ -30074,7 +30074,7 @@
             </a:endParaRPr>
           </a:p>
           <a:p>
-            <a:pPr indent="-285750" lvl="0" marL="457200" rtl="0" algn="l">
+            <a:pPr indent="-292100" lvl="0" marL="457200" rtl="0" algn="l">
               <a:lnSpc>
                 <a:spcPct val="115000"/>
               </a:lnSpc>
@@ -30084,12 +30084,12 @@
               <a:spcAft>
                 <a:spcPts val="0"/>
               </a:spcAft>
-              <a:buSzPts val="900"/>
+              <a:buSzPts val="1000"/>
               <a:buFont typeface="Georgia"/>
               <a:buChar char="●"/>
             </a:pPr>
             <a:r>
-              <a:rPr lang="en" sz="900">
+              <a:rPr lang="en" sz="1000">
                 <a:latin typeface="Georgia"/>
                 <a:ea typeface="Georgia"/>
                 <a:cs typeface="Georgia"/>
@@ -30097,7 +30097,7 @@
               </a:rPr>
               <a:t>MOSCOW:</a:t>
             </a:r>
-            <a:endParaRPr sz="900">
+            <a:endParaRPr sz="1000">
               <a:latin typeface="Georgia"/>
               <a:ea typeface="Georgia"/>
               <a:cs typeface="Georgia"/>
@@ -30105,7 +30105,7 @@
             </a:endParaRPr>
           </a:p>
           <a:p>
-            <a:pPr indent="-285750" lvl="1" marL="914400" rtl="0" algn="l">
+            <a:pPr indent="-292100" lvl="1" marL="914400" rtl="0" algn="l">
               <a:lnSpc>
                 <a:spcPct val="115000"/>
               </a:lnSpc>
@@ -30115,12 +30115,12 @@
               <a:spcAft>
                 <a:spcPts val="0"/>
               </a:spcAft>
-              <a:buSzPts val="900"/>
+              <a:buSzPts val="1000"/>
               <a:buFont typeface="Georgia"/>
               <a:buChar char="○"/>
             </a:pPr>
             <a:r>
-              <a:rPr lang="en" sz="900">
+              <a:rPr lang="en" sz="1000">
                 <a:latin typeface="Georgia"/>
                 <a:ea typeface="Georgia"/>
                 <a:cs typeface="Georgia"/>
@@ -30128,7 +30128,7 @@
               </a:rPr>
               <a:t>Must:</a:t>
             </a:r>
-            <a:endParaRPr sz="900">
+            <a:endParaRPr sz="1000">
               <a:latin typeface="Georgia"/>
               <a:ea typeface="Georgia"/>
               <a:cs typeface="Georgia"/>
@@ -30136,7 +30136,7 @@
             </a:endParaRPr>
           </a:p>
           <a:p>
-            <a:pPr indent="-285750" lvl="2" marL="1371600" rtl="0" algn="l">
+            <a:pPr indent="-292100" lvl="2" marL="1371600" rtl="0" algn="l">
               <a:lnSpc>
                 <a:spcPct val="115000"/>
               </a:lnSpc>
@@ -30146,12 +30146,12 @@
               <a:spcAft>
                 <a:spcPts val="0"/>
               </a:spcAft>
-              <a:buSzPts val="900"/>
+              <a:buSzPts val="1000"/>
               <a:buFont typeface="Georgia"/>
               <a:buChar char="■"/>
             </a:pPr>
             <a:r>
-              <a:rPr lang="en" sz="900">
+              <a:rPr lang="en" sz="1000">
                 <a:latin typeface="Georgia"/>
                 <a:ea typeface="Georgia"/>
                 <a:cs typeface="Georgia"/>
@@ -30159,7 +30159,7 @@
               </a:rPr>
               <a:t>Way for customers to reserve tool sets.</a:t>
             </a:r>
-            <a:endParaRPr sz="900">
+            <a:endParaRPr sz="1000">
               <a:latin typeface="Georgia"/>
               <a:ea typeface="Georgia"/>
               <a:cs typeface="Georgia"/>
@@ -30167,7 +30167,7 @@
             </a:endParaRPr>
           </a:p>
           <a:p>
-            <a:pPr indent="-285750" lvl="2" marL="1371600" rtl="0" algn="l">
+            <a:pPr indent="-292100" lvl="2" marL="1371600" rtl="0" algn="l">
               <a:lnSpc>
                 <a:spcPct val="115000"/>
               </a:lnSpc>
@@ -30177,12 +30177,12 @@
               <a:spcAft>
                 <a:spcPts val="0"/>
               </a:spcAft>
-              <a:buSzPts val="900"/>
+              <a:buSzPts val="1000"/>
               <a:buFont typeface="Georgia"/>
               <a:buChar char="■"/>
             </a:pPr>
             <a:r>
-              <a:rPr lang="en" sz="900">
+              <a:rPr lang="en" sz="1000">
                 <a:latin typeface="Georgia"/>
                 <a:ea typeface="Georgia"/>
                 <a:cs typeface="Georgia"/>
@@ -30191,7 +30191,7 @@
               <a:t>Way  to keep track of </a:t>
             </a:r>
             <a:r>
-              <a:rPr lang="en" sz="900">
+              <a:rPr lang="en" sz="1000">
                 <a:latin typeface="Georgia"/>
                 <a:ea typeface="Georgia"/>
                 <a:cs typeface="Georgia"/>
@@ -30200,7 +30200,7 @@
               <a:t>requests</a:t>
             </a:r>
             <a:r>
-              <a:rPr lang="en" sz="900">
+              <a:rPr lang="en" sz="1000">
                 <a:latin typeface="Georgia"/>
                 <a:ea typeface="Georgia"/>
                 <a:cs typeface="Georgia"/>
@@ -30208,7 +30208,7 @@
               </a:rPr>
               <a:t> for tools that are broken/requested by not available. </a:t>
             </a:r>
-            <a:endParaRPr sz="900">
+            <a:endParaRPr sz="1000">
               <a:latin typeface="Georgia"/>
               <a:ea typeface="Georgia"/>
               <a:cs typeface="Georgia"/>
@@ -30216,7 +30216,7 @@
             </a:endParaRPr>
           </a:p>
           <a:p>
-            <a:pPr indent="-285750" lvl="2" marL="1371600" rtl="0" algn="l">
+            <a:pPr indent="-292100" lvl="2" marL="1371600" rtl="0" algn="l">
               <a:lnSpc>
                 <a:spcPct val="115000"/>
               </a:lnSpc>
@@ -30226,12 +30226,12 @@
               <a:spcAft>
                 <a:spcPts val="0"/>
               </a:spcAft>
-              <a:buSzPts val="900"/>
+              <a:buSzPts val="1000"/>
               <a:buFont typeface="Georgia"/>
               <a:buChar char="■"/>
             </a:pPr>
             <a:r>
-              <a:rPr lang="en" sz="900">
+              <a:rPr lang="en" sz="1000">
                 <a:latin typeface="Georgia"/>
                 <a:ea typeface="Georgia"/>
                 <a:cs typeface="Georgia"/>
@@ -30239,7 +30239,7 @@
               </a:rPr>
               <a:t>List of tools and tool sets (by category)</a:t>
             </a:r>
-            <a:endParaRPr sz="900">
+            <a:endParaRPr sz="1000">
               <a:latin typeface="Georgia"/>
               <a:ea typeface="Georgia"/>
               <a:cs typeface="Georgia"/>
@@ -30247,7 +30247,7 @@
             </a:endParaRPr>
           </a:p>
           <a:p>
-            <a:pPr indent="-285750" lvl="2" marL="1371600" rtl="0" algn="l">
+            <a:pPr indent="-292100" lvl="2" marL="1371600" rtl="0" algn="l">
               <a:lnSpc>
                 <a:spcPct val="115000"/>
               </a:lnSpc>
@@ -30257,12 +30257,12 @@
               <a:spcAft>
                 <a:spcPts val="0"/>
               </a:spcAft>
-              <a:buSzPts val="900"/>
+              <a:buSzPts val="1000"/>
               <a:buFont typeface="Georgia"/>
               <a:buChar char="■"/>
             </a:pPr>
             <a:r>
-              <a:rPr lang="en" sz="900">
+              <a:rPr lang="en" sz="1000">
                 <a:latin typeface="Georgia"/>
                 <a:ea typeface="Georgia"/>
                 <a:cs typeface="Georgia"/>
@@ -30270,7 +30270,7 @@
               </a:rPr>
               <a:t>Way for customers to request either online or in-person.</a:t>
             </a:r>
-            <a:endParaRPr sz="900">
+            <a:endParaRPr sz="1000">
               <a:latin typeface="Georgia"/>
               <a:ea typeface="Georgia"/>
               <a:cs typeface="Georgia"/>
@@ -30278,7 +30278,7 @@
             </a:endParaRPr>
           </a:p>
           <a:p>
-            <a:pPr indent="-285750" lvl="1" marL="914400" rtl="0" algn="l">
+            <a:pPr indent="-292100" lvl="1" marL="914400" rtl="0" algn="l">
               <a:lnSpc>
                 <a:spcPct val="115000"/>
               </a:lnSpc>
@@ -30288,12 +30288,12 @@
               <a:spcAft>
                 <a:spcPts val="0"/>
               </a:spcAft>
-              <a:buSzPts val="900"/>
+              <a:buSzPts val="1000"/>
               <a:buFont typeface="Georgia"/>
               <a:buChar char="○"/>
             </a:pPr>
             <a:r>
-              <a:rPr lang="en" sz="900">
+              <a:rPr lang="en" sz="1000">
                 <a:latin typeface="Georgia"/>
                 <a:ea typeface="Georgia"/>
                 <a:cs typeface="Georgia"/>
@@ -30301,7 +30301,7 @@
               </a:rPr>
               <a:t>Should:</a:t>
             </a:r>
-            <a:endParaRPr sz="900">
+            <a:endParaRPr sz="1000">
               <a:latin typeface="Georgia"/>
               <a:ea typeface="Georgia"/>
               <a:cs typeface="Georgia"/>
@@ -30309,7 +30309,7 @@
             </a:endParaRPr>
           </a:p>
           <a:p>
-            <a:pPr indent="-285750" lvl="2" marL="1371600" rtl="0" algn="l">
+            <a:pPr indent="-292100" lvl="2" marL="1371600" rtl="0" algn="l">
               <a:lnSpc>
                 <a:spcPct val="115000"/>
               </a:lnSpc>
@@ -30319,12 +30319,12 @@
               <a:spcAft>
                 <a:spcPts val="0"/>
               </a:spcAft>
-              <a:buSzPts val="900"/>
+              <a:buSzPts val="1000"/>
               <a:buFont typeface="Georgia"/>
               <a:buChar char="■"/>
             </a:pPr>
             <a:r>
-              <a:rPr lang="en" sz="900">
+              <a:rPr lang="en" sz="1000">
                 <a:latin typeface="Georgia"/>
                 <a:ea typeface="Georgia"/>
                 <a:cs typeface="Georgia"/>
@@ -30332,7 +30332,7 @@
               </a:rPr>
               <a:t>Keep track of the number of times items have been requested/checked out.</a:t>
             </a:r>
-            <a:endParaRPr sz="900">
+            <a:endParaRPr sz="1000">
               <a:latin typeface="Georgia"/>
               <a:ea typeface="Georgia"/>
               <a:cs typeface="Georgia"/>
@@ -30355,7 +30355,7 @@
             <a:r>
               <a:t/>
             </a:r>
-            <a:endParaRPr sz="900">
+            <a:endParaRPr sz="1000">
               <a:latin typeface="Georgia"/>
               <a:ea typeface="Georgia"/>
               <a:cs typeface="Georgia"/>
@@ -30378,7 +30378,7 @@
             <a:r>
               <a:t/>
             </a:r>
-            <a:endParaRPr sz="1400">
+            <a:endParaRPr sz="1000">
               <a:latin typeface="Georgia"/>
               <a:ea typeface="Georgia"/>
               <a:cs typeface="Georgia"/>
@@ -30571,7 +30571,7 @@
             </a:pPr>
             <a:r>
               <a:rPr lang="en" sz="1100"/>
-              <a:t>Dans Tool Shop</a:t>
+              <a:t>Dan’s Tool Shop</a:t>
             </a:r>
             <a:endParaRPr sz="1100"/>
           </a:p>
@@ -30781,7 +30781,7 @@
             </a:pPr>
             <a:r>
               <a:rPr lang="en" sz="1100"/>
-              <a:t>Dans Tool Shop</a:t>
+              <a:t>Dan’s Tool Shop</a:t>
             </a:r>
             <a:endParaRPr sz="1100"/>
           </a:p>
@@ -31152,7 +31152,7 @@
                 <a:cs typeface="Georgia"/>
                 <a:sym typeface="Georgia"/>
               </a:rPr>
-              <a:t>Map of our location</a:t>
+              <a:t>Map of company location</a:t>
             </a:r>
             <a:endParaRPr sz="1600">
               <a:latin typeface="Georgia"/>
@@ -31406,7 +31406,7 @@
             </a:pPr>
             <a:r>
               <a:rPr lang="en" sz="1100"/>
-              <a:t>Dans Tool Shop</a:t>
+              <a:t>Dan’s Tool Shop</a:t>
             </a:r>
             <a:endParaRPr sz="1100"/>
           </a:p>
@@ -32075,7 +32075,7 @@
             </a:pPr>
             <a:r>
               <a:rPr lang="en" sz="1100"/>
-              <a:t>Dans Tool Shop</a:t>
+              <a:t>Dan’s Tool Shop</a:t>
             </a:r>
             <a:endParaRPr sz="1100"/>
           </a:p>
@@ -32131,7 +32131,7 @@
                 <a:cs typeface="Georgia"/>
                 <a:sym typeface="Georgia"/>
               </a:rPr>
-              <a:t>The Testing for this requirement included:</a:t>
+              <a:t>The testing for this requirement included:</a:t>
             </a:r>
             <a:endParaRPr sz="1800">
               <a:latin typeface="Georgia"/>
@@ -32438,7 +32438,7 @@
             </a:pPr>
             <a:r>
               <a:rPr lang="en" sz="1100"/>
-              <a:t>Dans Tool Shop</a:t>
+              <a:t>Dan’s Tool Shop</a:t>
             </a:r>
             <a:endParaRPr sz="1100"/>
           </a:p>
@@ -33002,7 +33002,7 @@
             </a:pPr>
             <a:r>
               <a:rPr lang="en" sz="1100"/>
-              <a:t>Dans Tool Shop</a:t>
+              <a:t>Dan’s Tool Shop</a:t>
             </a:r>
             <a:endParaRPr sz="1100"/>
           </a:p>
@@ -33200,7 +33200,7 @@
             </a:pPr>
             <a:r>
               <a:rPr lang="en" sz="1100"/>
-              <a:t>Dans Tool Shop</a:t>
+              <a:t>Dan’s Tool Shop</a:t>
             </a:r>
             <a:endParaRPr sz="1100"/>
           </a:p>
@@ -33856,7 +33856,7 @@
             </a:pPr>
             <a:r>
               <a:rPr lang="en" sz="1100"/>
-              <a:t>Dans Tool Shop</a:t>
+              <a:t>Dan’s Tool Shop</a:t>
             </a:r>
             <a:endParaRPr sz="1100"/>
           </a:p>
@@ -34334,7 +34334,7 @@
             </a:pPr>
             <a:r>
               <a:rPr lang="en" sz="1100"/>
-              <a:t>Dans Tool Shop</a:t>
+              <a:t>Dan’s Tool Shop</a:t>
             </a:r>
             <a:endParaRPr sz="1100"/>
           </a:p>
@@ -35012,7 +35012,7 @@
             </a:pPr>
             <a:r>
               <a:rPr lang="en" sz="1100"/>
-              <a:t>Dans Tool Shop</a:t>
+              <a:t>Dan’s Tool Shop</a:t>
             </a:r>
             <a:endParaRPr sz="1100"/>
           </a:p>
@@ -35287,7 +35287,7 @@
             </a:pPr>
             <a:r>
               <a:rPr lang="en" sz="1100"/>
-              <a:t>Dans Tool Shop</a:t>
+              <a:t>Dan’s Tool Shop</a:t>
             </a:r>
             <a:endParaRPr sz="1100"/>
           </a:p>
@@ -35822,7 +35822,7 @@
         </p:blipFill>
         <p:spPr>
           <a:xfrm>
-            <a:off x="1991077" y="3167475"/>
+            <a:off x="1991077" y="3261300"/>
             <a:ext cx="4235776" cy="1354250"/>
           </a:xfrm>
           <a:prstGeom prst="rect">
@@ -35909,7 +35909,7 @@
             </a:pPr>
             <a:r>
               <a:rPr lang="en" sz="1100"/>
-              <a:t>Dans Tool Shop</a:t>
+              <a:t>Dan’s Tool Shop</a:t>
             </a:r>
             <a:endParaRPr sz="1100"/>
           </a:p>
@@ -36814,7 +36814,7 @@
             </a:pPr>
             <a:r>
               <a:rPr lang="en" sz="1100"/>
-              <a:t>Dans Tool Shop</a:t>
+              <a:t>Dan’s Tool Shop</a:t>
             </a:r>
             <a:endParaRPr sz="1100"/>
           </a:p>
@@ -37070,9 +37070,9 @@
 </file>
 
 <file path=ppt/theme/theme1.xml><?xml version="1.0" encoding="utf-8"?>
-<a:theme xmlns:a="http://schemas.openxmlformats.org/drawingml/2006/main" xmlns:r="http://schemas.openxmlformats.org/officeDocument/2006/relationships" name="Simple Light">
+<a:theme xmlns:a="http://schemas.openxmlformats.org/drawingml/2006/main" xmlns:r="http://schemas.openxmlformats.org/officeDocument/2006/relationships">
   <a:themeElements>
-    <a:clrScheme name="Simple Light">
+    <a:clrScheme name="Default">
       <a:dk1>
         <a:srgbClr val="000000"/>
       </a:dk1>
@@ -37080,34 +37080,34 @@
         <a:srgbClr val="FFFFFF"/>
       </a:lt1>
       <a:dk2>
-        <a:srgbClr val="595959"/>
+        <a:srgbClr val="158158"/>
       </a:dk2>
       <a:lt2>
-        <a:srgbClr val="EEEEEE"/>
+        <a:srgbClr val="F3F3F3"/>
       </a:lt2>
       <a:accent1>
-        <a:srgbClr val="FFAB40"/>
+        <a:srgbClr val="058DC7"/>
       </a:accent1>
       <a:accent2>
-        <a:srgbClr val="212121"/>
+        <a:srgbClr val="50B432"/>
       </a:accent2>
       <a:accent3>
-        <a:srgbClr val="78909C"/>
+        <a:srgbClr val="ED561B"/>
       </a:accent3>
       <a:accent4>
-        <a:srgbClr val="FFAB40"/>
+        <a:srgbClr val="EDEF00"/>
       </a:accent4>
       <a:accent5>
-        <a:srgbClr val="0097A7"/>
+        <a:srgbClr val="24CBE5"/>
       </a:accent5>
       <a:accent6>
-        <a:srgbClr val="EEFF41"/>
+        <a:srgbClr val="64E572"/>
       </a:accent6>
       <a:hlink>
-        <a:srgbClr val="0097A7"/>
+        <a:srgbClr val="2200CC"/>
       </a:hlink>
       <a:folHlink>
-        <a:srgbClr val="0097A7"/>
+        <a:srgbClr val="551A8B"/>
       </a:folHlink>
     </a:clrScheme>
     <a:fontScheme name="Office">
@@ -37349,9 +37349,9 @@
 </file>
 
 <file path=ppt/theme/theme2.xml><?xml version="1.0" encoding="utf-8"?>
-<a:theme xmlns:a="http://schemas.openxmlformats.org/drawingml/2006/main" xmlns:r="http://schemas.openxmlformats.org/officeDocument/2006/relationships">
+<a:theme xmlns:a="http://schemas.openxmlformats.org/drawingml/2006/main" xmlns:r="http://schemas.openxmlformats.org/officeDocument/2006/relationships" name="Simple Light">
   <a:themeElements>
-    <a:clrScheme name="Default">
+    <a:clrScheme name="Simple Light">
       <a:dk1>
         <a:srgbClr val="000000"/>
       </a:dk1>
@@ -37359,34 +37359,34 @@
         <a:srgbClr val="FFFFFF"/>
       </a:lt1>
       <a:dk2>
-        <a:srgbClr val="158158"/>
+        <a:srgbClr val="595959"/>
       </a:dk2>
       <a:lt2>
-        <a:srgbClr val="F3F3F3"/>
+        <a:srgbClr val="EEEEEE"/>
       </a:lt2>
       <a:accent1>
-        <a:srgbClr val="058DC7"/>
+        <a:srgbClr val="FFAB40"/>
       </a:accent1>
       <a:accent2>
-        <a:srgbClr val="50B432"/>
+        <a:srgbClr val="212121"/>
       </a:accent2>
       <a:accent3>
-        <a:srgbClr val="ED561B"/>
+        <a:srgbClr val="78909C"/>
       </a:accent3>
       <a:accent4>
-        <a:srgbClr val="EDEF00"/>
+        <a:srgbClr val="FFAB40"/>
       </a:accent4>
       <a:accent5>
-        <a:srgbClr val="24CBE5"/>
+        <a:srgbClr val="0097A7"/>
       </a:accent5>
       <a:accent6>
-        <a:srgbClr val="64E572"/>
+        <a:srgbClr val="EEFF41"/>
       </a:accent6>
       <a:hlink>
-        <a:srgbClr val="2200CC"/>
+        <a:srgbClr val="0097A7"/>
       </a:hlink>
       <a:folHlink>
-        <a:srgbClr val="551A8B"/>
+        <a:srgbClr val="0097A7"/>
       </a:folHlink>
     </a:clrScheme>
     <a:fontScheme name="Office">
